--- a/高级计算机网络与大数据/Homework/homework3/assignment3-ppt-(12332463).pptx
+++ b/高级计算机网络与大数据/Homework/homework3/assignment3-ppt-(12332463).pptx
@@ -5,26 +5,27 @@
     <p:sldMasterId id="2147483648" r:id="rId1"/>
   </p:sldMasterIdLst>
   <p:notesMasterIdLst>
-    <p:notesMasterId r:id="rId19"/>
+    <p:notesMasterId r:id="rId4"/>
   </p:notesMasterIdLst>
   <p:sldIdLst>
-    <p:sldId id="267" r:id="rId2"/>
-    <p:sldId id="411" r:id="rId3"/>
-    <p:sldId id="266" r:id="rId4"/>
-    <p:sldId id="412" r:id="rId5"/>
-    <p:sldId id="404" r:id="rId6"/>
-    <p:sldId id="417" r:id="rId7"/>
-    <p:sldId id="406" r:id="rId8"/>
-    <p:sldId id="407" r:id="rId9"/>
-    <p:sldId id="413" r:id="rId10"/>
-    <p:sldId id="408" r:id="rId11"/>
-    <p:sldId id="414" r:id="rId12"/>
-    <p:sldId id="409" r:id="rId13"/>
+    <p:sldId id="267" r:id="rId3"/>
+    <p:sldId id="411" r:id="rId5"/>
+    <p:sldId id="266" r:id="rId6"/>
+    <p:sldId id="412" r:id="rId7"/>
+    <p:sldId id="417" r:id="rId8"/>
+    <p:sldId id="404" r:id="rId9"/>
+    <p:sldId id="406" r:id="rId10"/>
+    <p:sldId id="407" r:id="rId11"/>
+    <p:sldId id="413" r:id="rId12"/>
+    <p:sldId id="408" r:id="rId13"/>
     <p:sldId id="415" r:id="rId14"/>
-    <p:sldId id="416" r:id="rId15"/>
-    <p:sldId id="418" r:id="rId16"/>
-    <p:sldId id="410" r:id="rId17"/>
-    <p:sldId id="275" r:id="rId18"/>
+    <p:sldId id="414" r:id="rId15"/>
+    <p:sldId id="409" r:id="rId16"/>
+    <p:sldId id="416" r:id="rId17"/>
+    <p:sldId id="418" r:id="rId18"/>
+    <p:sldId id="410" r:id="rId19"/>
+    <p:sldId id="430" r:id="rId20"/>
+    <p:sldId id="275" r:id="rId21"/>
   </p:sldIdLst>
   <p:sldSz cx="12192000" cy="6858000"/>
   <p:notesSz cx="6858000" cy="9144000"/>
@@ -123,11 +124,6 @@
       </a:defRPr>
     </a:lvl9pPr>
   </p:defaultTextStyle>
-  <p:extLst>
-    <p:ext uri="{EFAFB233-063F-42B5-8137-9DF3F51BA10A}">
-      <p15:sldGuideLst xmlns:p15="http://schemas.microsoft.com/office/powerpoint/2012/main"/>
-    </p:ext>
-  </p:extLst>
 </p:presentation>
 </file>
 
@@ -213,7 +209,6 @@
           <a:p>
             <a:fld id="{D2A48B96-639E-45A3-A0BA-2464DFDB1FAA}" type="datetimeFigureOut">
               <a:rPr lang="zh-CN" altLang="en-US" smtClean="0"/>
-              <a:t>2023/12/26</a:t>
             </a:fld>
             <a:endParaRPr lang="zh-CN" altLang="en-US"/>
           </a:p>
@@ -280,6 +275,7 @@
               <a:rPr lang="zh-CN" altLang="en-US"/>
               <a:t>单击此处编辑母版文本样式</a:t>
             </a:r>
+            <a:endParaRPr lang="zh-CN" altLang="en-US"/>
           </a:p>
           <a:p>
             <a:pPr lvl="1"/>
@@ -287,6 +283,7 @@
               <a:rPr lang="zh-CN" altLang="en-US"/>
               <a:t>第二级</a:t>
             </a:r>
+            <a:endParaRPr lang="zh-CN" altLang="en-US"/>
           </a:p>
           <a:p>
             <a:pPr lvl="2"/>
@@ -294,6 +291,7 @@
               <a:rPr lang="zh-CN" altLang="en-US"/>
               <a:t>第三级</a:t>
             </a:r>
+            <a:endParaRPr lang="zh-CN" altLang="en-US"/>
           </a:p>
           <a:p>
             <a:pPr lvl="3"/>
@@ -301,6 +299,7 @@
               <a:rPr lang="zh-CN" altLang="en-US"/>
               <a:t>第四级</a:t>
             </a:r>
+            <a:endParaRPr lang="zh-CN" altLang="en-US"/>
           </a:p>
           <a:p>
             <a:pPr lvl="4"/>
@@ -308,6 +307,7 @@
               <a:rPr lang="zh-CN" altLang="en-US"/>
               <a:t>第五级</a:t>
             </a:r>
+            <a:endParaRPr lang="zh-CN" altLang="en-US"/>
           </a:p>
         </p:txBody>
       </p:sp>
@@ -371,7 +371,6 @@
           <a:p>
             <a:fld id="{A6837353-30EB-4A48-80EB-173D804AEFBD}" type="slidenum">
               <a:rPr lang="zh-CN" altLang="en-US" smtClean="0"/>
-              <a:t>‹#›</a:t>
             </a:fld>
             <a:endParaRPr lang="zh-CN" altLang="en-US"/>
           </a:p>
@@ -576,6 +575,7 @@
               <a:rPr lang="zh-CN" altLang="en-US"/>
               <a:t>单击此处编辑母版标题样式</a:t>
             </a:r>
+            <a:endParaRPr lang="zh-CN" altLang="en-US"/>
           </a:p>
         </p:txBody>
       </p:sp>
@@ -640,6 +640,7 @@
               <a:rPr lang="zh-CN" altLang="en-US"/>
               <a:t>单击此处编辑母版副标题样式</a:t>
             </a:r>
+            <a:endParaRPr lang="zh-CN" altLang="en-US"/>
           </a:p>
         </p:txBody>
       </p:sp>
@@ -660,7 +661,6 @@
           <a:p>
             <a:fld id="{AF3DFB88-C66D-4D4F-992A-21D8B5C2FC83}" type="datetimeFigureOut">
               <a:rPr lang="zh-CN" altLang="en-US" smtClean="0"/>
-              <a:t>2023/12/26</a:t>
             </a:fld>
             <a:endParaRPr lang="zh-CN" altLang="en-US"/>
           </a:p>
@@ -702,7 +702,6 @@
           <a:p>
             <a:fld id="{1D393944-DC62-4081-86B4-76E5FCA2F9B8}" type="slidenum">
               <a:rPr lang="zh-CN" altLang="en-US" smtClean="0"/>
-              <a:t>‹#›</a:t>
             </a:fld>
             <a:endParaRPr lang="zh-CN" altLang="en-US"/>
           </a:p>
@@ -752,6 +751,7 @@
               <a:rPr lang="zh-CN" altLang="en-US"/>
               <a:t>单击此处编辑母版标题样式</a:t>
             </a:r>
+            <a:endParaRPr lang="zh-CN" altLang="en-US"/>
           </a:p>
         </p:txBody>
       </p:sp>
@@ -775,6 +775,7 @@
               <a:rPr lang="zh-CN" altLang="en-US"/>
               <a:t>编辑母版文本样式</a:t>
             </a:r>
+            <a:endParaRPr lang="zh-CN" altLang="en-US"/>
           </a:p>
           <a:p>
             <a:pPr lvl="1"/>
@@ -782,6 +783,7 @@
               <a:rPr lang="zh-CN" altLang="en-US"/>
               <a:t>第二级</a:t>
             </a:r>
+            <a:endParaRPr lang="zh-CN" altLang="en-US"/>
           </a:p>
           <a:p>
             <a:pPr lvl="2"/>
@@ -789,6 +791,7 @@
               <a:rPr lang="zh-CN" altLang="en-US"/>
               <a:t>第三级</a:t>
             </a:r>
+            <a:endParaRPr lang="zh-CN" altLang="en-US"/>
           </a:p>
           <a:p>
             <a:pPr lvl="3"/>
@@ -796,6 +799,7 @@
               <a:rPr lang="zh-CN" altLang="en-US"/>
               <a:t>第四级</a:t>
             </a:r>
+            <a:endParaRPr lang="zh-CN" altLang="en-US"/>
           </a:p>
           <a:p>
             <a:pPr lvl="4"/>
@@ -803,6 +807,7 @@
               <a:rPr lang="zh-CN" altLang="en-US"/>
               <a:t>第五级</a:t>
             </a:r>
+            <a:endParaRPr lang="zh-CN" altLang="en-US"/>
           </a:p>
         </p:txBody>
       </p:sp>
@@ -823,7 +828,6 @@
           <a:p>
             <a:fld id="{AF3DFB88-C66D-4D4F-992A-21D8B5C2FC83}" type="datetimeFigureOut">
               <a:rPr lang="zh-CN" altLang="en-US" smtClean="0"/>
-              <a:t>2023/12/26</a:t>
             </a:fld>
             <a:endParaRPr lang="zh-CN" altLang="en-US"/>
           </a:p>
@@ -865,7 +869,6 @@
           <a:p>
             <a:fld id="{1D393944-DC62-4081-86B4-76E5FCA2F9B8}" type="slidenum">
               <a:rPr lang="zh-CN" altLang="en-US" smtClean="0"/>
-              <a:t>‹#›</a:t>
             </a:fld>
             <a:endParaRPr lang="zh-CN" altLang="en-US"/>
           </a:p>
@@ -920,6 +923,7 @@
               <a:rPr lang="zh-CN" altLang="en-US"/>
               <a:t>单击此处编辑母版标题样式</a:t>
             </a:r>
+            <a:endParaRPr lang="zh-CN" altLang="en-US"/>
           </a:p>
         </p:txBody>
       </p:sp>
@@ -948,6 +952,7 @@
               <a:rPr lang="zh-CN" altLang="en-US"/>
               <a:t>编辑母版文本样式</a:t>
             </a:r>
+            <a:endParaRPr lang="zh-CN" altLang="en-US"/>
           </a:p>
           <a:p>
             <a:pPr lvl="1"/>
@@ -955,6 +960,7 @@
               <a:rPr lang="zh-CN" altLang="en-US"/>
               <a:t>第二级</a:t>
             </a:r>
+            <a:endParaRPr lang="zh-CN" altLang="en-US"/>
           </a:p>
           <a:p>
             <a:pPr lvl="2"/>
@@ -962,6 +968,7 @@
               <a:rPr lang="zh-CN" altLang="en-US"/>
               <a:t>第三级</a:t>
             </a:r>
+            <a:endParaRPr lang="zh-CN" altLang="en-US"/>
           </a:p>
           <a:p>
             <a:pPr lvl="3"/>
@@ -969,6 +976,7 @@
               <a:rPr lang="zh-CN" altLang="en-US"/>
               <a:t>第四级</a:t>
             </a:r>
+            <a:endParaRPr lang="zh-CN" altLang="en-US"/>
           </a:p>
           <a:p>
             <a:pPr lvl="4"/>
@@ -976,6 +984,7 @@
               <a:rPr lang="zh-CN" altLang="en-US"/>
               <a:t>第五级</a:t>
             </a:r>
+            <a:endParaRPr lang="zh-CN" altLang="en-US"/>
           </a:p>
         </p:txBody>
       </p:sp>
@@ -996,7 +1005,6 @@
           <a:p>
             <a:fld id="{AF3DFB88-C66D-4D4F-992A-21D8B5C2FC83}" type="datetimeFigureOut">
               <a:rPr lang="zh-CN" altLang="en-US" smtClean="0"/>
-              <a:t>2023/12/26</a:t>
             </a:fld>
             <a:endParaRPr lang="zh-CN" altLang="en-US"/>
           </a:p>
@@ -1038,7 +1046,6 @@
           <a:p>
             <a:fld id="{1D393944-DC62-4081-86B4-76E5FCA2F9B8}" type="slidenum">
               <a:rPr lang="zh-CN" altLang="en-US" smtClean="0"/>
-              <a:t>‹#›</a:t>
             </a:fld>
             <a:endParaRPr lang="zh-CN" altLang="en-US"/>
           </a:p>
@@ -1088,6 +1095,7 @@
               <a:rPr lang="zh-CN" altLang="en-US"/>
               <a:t>单击此处编辑母版标题样式</a:t>
             </a:r>
+            <a:endParaRPr lang="zh-CN" altLang="en-US"/>
           </a:p>
         </p:txBody>
       </p:sp>
@@ -1111,6 +1119,7 @@
               <a:rPr lang="zh-CN" altLang="en-US"/>
               <a:t>编辑母版文本样式</a:t>
             </a:r>
+            <a:endParaRPr lang="zh-CN" altLang="en-US"/>
           </a:p>
           <a:p>
             <a:pPr lvl="1"/>
@@ -1118,6 +1127,7 @@
               <a:rPr lang="zh-CN" altLang="en-US"/>
               <a:t>第二级</a:t>
             </a:r>
+            <a:endParaRPr lang="zh-CN" altLang="en-US"/>
           </a:p>
           <a:p>
             <a:pPr lvl="2"/>
@@ -1125,6 +1135,7 @@
               <a:rPr lang="zh-CN" altLang="en-US"/>
               <a:t>第三级</a:t>
             </a:r>
+            <a:endParaRPr lang="zh-CN" altLang="en-US"/>
           </a:p>
           <a:p>
             <a:pPr lvl="3"/>
@@ -1132,6 +1143,7 @@
               <a:rPr lang="zh-CN" altLang="en-US"/>
               <a:t>第四级</a:t>
             </a:r>
+            <a:endParaRPr lang="zh-CN" altLang="en-US"/>
           </a:p>
           <a:p>
             <a:pPr lvl="4"/>
@@ -1139,6 +1151,7 @@
               <a:rPr lang="zh-CN" altLang="en-US"/>
               <a:t>第五级</a:t>
             </a:r>
+            <a:endParaRPr lang="zh-CN" altLang="en-US"/>
           </a:p>
         </p:txBody>
       </p:sp>
@@ -1159,7 +1172,6 @@
           <a:p>
             <a:fld id="{AF3DFB88-C66D-4D4F-992A-21D8B5C2FC83}" type="datetimeFigureOut">
               <a:rPr lang="zh-CN" altLang="en-US" smtClean="0"/>
-              <a:t>2023/12/26</a:t>
             </a:fld>
             <a:endParaRPr lang="zh-CN" altLang="en-US"/>
           </a:p>
@@ -1201,7 +1213,6 @@
           <a:p>
             <a:fld id="{1D393944-DC62-4081-86B4-76E5FCA2F9B8}" type="slidenum">
               <a:rPr lang="zh-CN" altLang="en-US" smtClean="0"/>
-              <a:t>‹#›</a:t>
             </a:fld>
             <a:endParaRPr lang="zh-CN" altLang="en-US"/>
           </a:p>
@@ -1260,6 +1271,7 @@
               <a:rPr lang="zh-CN" altLang="en-US"/>
               <a:t>单击此处编辑母版标题样式</a:t>
             </a:r>
+            <a:endParaRPr lang="zh-CN" altLang="en-US"/>
           </a:p>
         </p:txBody>
       </p:sp>
@@ -1379,6 +1391,7 @@
               <a:rPr lang="zh-CN" altLang="en-US"/>
               <a:t>编辑母版文本样式</a:t>
             </a:r>
+            <a:endParaRPr lang="zh-CN" altLang="en-US"/>
           </a:p>
         </p:txBody>
       </p:sp>
@@ -1399,7 +1412,6 @@
           <a:p>
             <a:fld id="{AF3DFB88-C66D-4D4F-992A-21D8B5C2FC83}" type="datetimeFigureOut">
               <a:rPr lang="zh-CN" altLang="en-US" smtClean="0"/>
-              <a:t>2023/12/26</a:t>
             </a:fld>
             <a:endParaRPr lang="zh-CN" altLang="en-US"/>
           </a:p>
@@ -1441,7 +1453,6 @@
           <a:p>
             <a:fld id="{1D393944-DC62-4081-86B4-76E5FCA2F9B8}" type="slidenum">
               <a:rPr lang="zh-CN" altLang="en-US" smtClean="0"/>
-              <a:t>‹#›</a:t>
             </a:fld>
             <a:endParaRPr lang="zh-CN" altLang="en-US"/>
           </a:p>
@@ -1491,6 +1502,7 @@
               <a:rPr lang="zh-CN" altLang="en-US"/>
               <a:t>单击此处编辑母版标题样式</a:t>
             </a:r>
+            <a:endParaRPr lang="zh-CN" altLang="en-US"/>
           </a:p>
         </p:txBody>
       </p:sp>
@@ -1519,6 +1531,7 @@
               <a:rPr lang="zh-CN" altLang="en-US"/>
               <a:t>编辑母版文本样式</a:t>
             </a:r>
+            <a:endParaRPr lang="zh-CN" altLang="en-US"/>
           </a:p>
           <a:p>
             <a:pPr lvl="1"/>
@@ -1526,6 +1539,7 @@
               <a:rPr lang="zh-CN" altLang="en-US"/>
               <a:t>第二级</a:t>
             </a:r>
+            <a:endParaRPr lang="zh-CN" altLang="en-US"/>
           </a:p>
           <a:p>
             <a:pPr lvl="2"/>
@@ -1533,6 +1547,7 @@
               <a:rPr lang="zh-CN" altLang="en-US"/>
               <a:t>第三级</a:t>
             </a:r>
+            <a:endParaRPr lang="zh-CN" altLang="en-US"/>
           </a:p>
           <a:p>
             <a:pPr lvl="3"/>
@@ -1540,6 +1555,7 @@
               <a:rPr lang="zh-CN" altLang="en-US"/>
               <a:t>第四级</a:t>
             </a:r>
+            <a:endParaRPr lang="zh-CN" altLang="en-US"/>
           </a:p>
           <a:p>
             <a:pPr lvl="4"/>
@@ -1547,6 +1563,7 @@
               <a:rPr lang="zh-CN" altLang="en-US"/>
               <a:t>第五级</a:t>
             </a:r>
+            <a:endParaRPr lang="zh-CN" altLang="en-US"/>
           </a:p>
         </p:txBody>
       </p:sp>
@@ -1575,6 +1592,7 @@
               <a:rPr lang="zh-CN" altLang="en-US"/>
               <a:t>编辑母版文本样式</a:t>
             </a:r>
+            <a:endParaRPr lang="zh-CN" altLang="en-US"/>
           </a:p>
           <a:p>
             <a:pPr lvl="1"/>
@@ -1582,6 +1600,7 @@
               <a:rPr lang="zh-CN" altLang="en-US"/>
               <a:t>第二级</a:t>
             </a:r>
+            <a:endParaRPr lang="zh-CN" altLang="en-US"/>
           </a:p>
           <a:p>
             <a:pPr lvl="2"/>
@@ -1589,6 +1608,7 @@
               <a:rPr lang="zh-CN" altLang="en-US"/>
               <a:t>第三级</a:t>
             </a:r>
+            <a:endParaRPr lang="zh-CN" altLang="en-US"/>
           </a:p>
           <a:p>
             <a:pPr lvl="3"/>
@@ -1596,6 +1616,7 @@
               <a:rPr lang="zh-CN" altLang="en-US"/>
               <a:t>第四级</a:t>
             </a:r>
+            <a:endParaRPr lang="zh-CN" altLang="en-US"/>
           </a:p>
           <a:p>
             <a:pPr lvl="4"/>
@@ -1603,6 +1624,7 @@
               <a:rPr lang="zh-CN" altLang="en-US"/>
               <a:t>第五级</a:t>
             </a:r>
+            <a:endParaRPr lang="zh-CN" altLang="en-US"/>
           </a:p>
         </p:txBody>
       </p:sp>
@@ -1623,7 +1645,6 @@
           <a:p>
             <a:fld id="{AF3DFB88-C66D-4D4F-992A-21D8B5C2FC83}" type="datetimeFigureOut">
               <a:rPr lang="zh-CN" altLang="en-US" smtClean="0"/>
-              <a:t>2023/12/26</a:t>
             </a:fld>
             <a:endParaRPr lang="zh-CN" altLang="en-US"/>
           </a:p>
@@ -1665,7 +1686,6 @@
           <a:p>
             <a:fld id="{1D393944-DC62-4081-86B4-76E5FCA2F9B8}" type="slidenum">
               <a:rPr lang="zh-CN" altLang="en-US" smtClean="0"/>
-              <a:t>‹#›</a:t>
             </a:fld>
             <a:endParaRPr lang="zh-CN" altLang="en-US"/>
           </a:p>
@@ -1720,6 +1740,7 @@
               <a:rPr lang="zh-CN" altLang="en-US"/>
               <a:t>单击此处编辑母版标题样式</a:t>
             </a:r>
+            <a:endParaRPr lang="zh-CN" altLang="en-US"/>
           </a:p>
         </p:txBody>
       </p:sp>
@@ -1785,6 +1806,7 @@
               <a:rPr lang="zh-CN" altLang="en-US"/>
               <a:t>编辑母版文本样式</a:t>
             </a:r>
+            <a:endParaRPr lang="zh-CN" altLang="en-US"/>
           </a:p>
         </p:txBody>
       </p:sp>
@@ -1813,6 +1835,7 @@
               <a:rPr lang="zh-CN" altLang="en-US"/>
               <a:t>编辑母版文本样式</a:t>
             </a:r>
+            <a:endParaRPr lang="zh-CN" altLang="en-US"/>
           </a:p>
           <a:p>
             <a:pPr lvl="1"/>
@@ -1820,6 +1843,7 @@
               <a:rPr lang="zh-CN" altLang="en-US"/>
               <a:t>第二级</a:t>
             </a:r>
+            <a:endParaRPr lang="zh-CN" altLang="en-US"/>
           </a:p>
           <a:p>
             <a:pPr lvl="2"/>
@@ -1827,6 +1851,7 @@
               <a:rPr lang="zh-CN" altLang="en-US"/>
               <a:t>第三级</a:t>
             </a:r>
+            <a:endParaRPr lang="zh-CN" altLang="en-US"/>
           </a:p>
           <a:p>
             <a:pPr lvl="3"/>
@@ -1834,6 +1859,7 @@
               <a:rPr lang="zh-CN" altLang="en-US"/>
               <a:t>第四级</a:t>
             </a:r>
+            <a:endParaRPr lang="zh-CN" altLang="en-US"/>
           </a:p>
           <a:p>
             <a:pPr lvl="4"/>
@@ -1841,6 +1867,7 @@
               <a:rPr lang="zh-CN" altLang="en-US"/>
               <a:t>第五级</a:t>
             </a:r>
+            <a:endParaRPr lang="zh-CN" altLang="en-US"/>
           </a:p>
         </p:txBody>
       </p:sp>
@@ -1906,6 +1933,7 @@
               <a:rPr lang="zh-CN" altLang="en-US"/>
               <a:t>编辑母版文本样式</a:t>
             </a:r>
+            <a:endParaRPr lang="zh-CN" altLang="en-US"/>
           </a:p>
         </p:txBody>
       </p:sp>
@@ -1934,6 +1962,7 @@
               <a:rPr lang="zh-CN" altLang="en-US"/>
               <a:t>编辑母版文本样式</a:t>
             </a:r>
+            <a:endParaRPr lang="zh-CN" altLang="en-US"/>
           </a:p>
           <a:p>
             <a:pPr lvl="1"/>
@@ -1941,6 +1970,7 @@
               <a:rPr lang="zh-CN" altLang="en-US"/>
               <a:t>第二级</a:t>
             </a:r>
+            <a:endParaRPr lang="zh-CN" altLang="en-US"/>
           </a:p>
           <a:p>
             <a:pPr lvl="2"/>
@@ -1948,6 +1978,7 @@
               <a:rPr lang="zh-CN" altLang="en-US"/>
               <a:t>第三级</a:t>
             </a:r>
+            <a:endParaRPr lang="zh-CN" altLang="en-US"/>
           </a:p>
           <a:p>
             <a:pPr lvl="3"/>
@@ -1955,6 +1986,7 @@
               <a:rPr lang="zh-CN" altLang="en-US"/>
               <a:t>第四级</a:t>
             </a:r>
+            <a:endParaRPr lang="zh-CN" altLang="en-US"/>
           </a:p>
           <a:p>
             <a:pPr lvl="4"/>
@@ -1962,6 +1994,7 @@
               <a:rPr lang="zh-CN" altLang="en-US"/>
               <a:t>第五级</a:t>
             </a:r>
+            <a:endParaRPr lang="zh-CN" altLang="en-US"/>
           </a:p>
         </p:txBody>
       </p:sp>
@@ -1982,7 +2015,6 @@
           <a:p>
             <a:fld id="{AF3DFB88-C66D-4D4F-992A-21D8B5C2FC83}" type="datetimeFigureOut">
               <a:rPr lang="zh-CN" altLang="en-US" smtClean="0"/>
-              <a:t>2023/12/26</a:t>
             </a:fld>
             <a:endParaRPr lang="zh-CN" altLang="en-US"/>
           </a:p>
@@ -2024,7 +2056,6 @@
           <a:p>
             <a:fld id="{1D393944-DC62-4081-86B4-76E5FCA2F9B8}" type="slidenum">
               <a:rPr lang="zh-CN" altLang="en-US" smtClean="0"/>
-              <a:t>‹#›</a:t>
             </a:fld>
             <a:endParaRPr lang="zh-CN" altLang="en-US"/>
           </a:p>
@@ -2074,6 +2105,7 @@
               <a:rPr lang="zh-CN" altLang="en-US"/>
               <a:t>单击此处编辑母版标题样式</a:t>
             </a:r>
+            <a:endParaRPr lang="zh-CN" altLang="en-US"/>
           </a:p>
         </p:txBody>
       </p:sp>
@@ -2094,7 +2126,6 @@
           <a:p>
             <a:fld id="{AF3DFB88-C66D-4D4F-992A-21D8B5C2FC83}" type="datetimeFigureOut">
               <a:rPr lang="zh-CN" altLang="en-US" smtClean="0"/>
-              <a:t>2023/12/26</a:t>
             </a:fld>
             <a:endParaRPr lang="zh-CN" altLang="en-US"/>
           </a:p>
@@ -2136,7 +2167,6 @@
           <a:p>
             <a:fld id="{1D393944-DC62-4081-86B4-76E5FCA2F9B8}" type="slidenum">
               <a:rPr lang="zh-CN" altLang="en-US" smtClean="0"/>
-              <a:t>‹#›</a:t>
             </a:fld>
             <a:endParaRPr lang="zh-CN" altLang="en-US"/>
           </a:p>
@@ -2184,7 +2214,6 @@
           <a:p>
             <a:fld id="{AF3DFB88-C66D-4D4F-992A-21D8B5C2FC83}" type="datetimeFigureOut">
               <a:rPr lang="zh-CN" altLang="en-US" smtClean="0"/>
-              <a:t>2023/12/26</a:t>
             </a:fld>
             <a:endParaRPr lang="zh-CN" altLang="en-US"/>
           </a:p>
@@ -2226,7 +2255,6 @@
           <a:p>
             <a:fld id="{1D393944-DC62-4081-86B4-76E5FCA2F9B8}" type="slidenum">
               <a:rPr lang="zh-CN" altLang="en-US" smtClean="0"/>
-              <a:t>‹#›</a:t>
             </a:fld>
             <a:endParaRPr lang="zh-CN" altLang="en-US"/>
           </a:p>
@@ -2285,6 +2313,7 @@
               <a:rPr lang="zh-CN" altLang="en-US"/>
               <a:t>单击此处编辑母版标题样式</a:t>
             </a:r>
+            <a:endParaRPr lang="zh-CN" altLang="en-US"/>
           </a:p>
         </p:txBody>
       </p:sp>
@@ -2341,6 +2370,7 @@
               <a:rPr lang="zh-CN" altLang="en-US"/>
               <a:t>编辑母版文本样式</a:t>
             </a:r>
+            <a:endParaRPr lang="zh-CN" altLang="en-US"/>
           </a:p>
           <a:p>
             <a:pPr lvl="1"/>
@@ -2348,6 +2378,7 @@
               <a:rPr lang="zh-CN" altLang="en-US"/>
               <a:t>第二级</a:t>
             </a:r>
+            <a:endParaRPr lang="zh-CN" altLang="en-US"/>
           </a:p>
           <a:p>
             <a:pPr lvl="2"/>
@@ -2355,6 +2386,7 @@
               <a:rPr lang="zh-CN" altLang="en-US"/>
               <a:t>第三级</a:t>
             </a:r>
+            <a:endParaRPr lang="zh-CN" altLang="en-US"/>
           </a:p>
           <a:p>
             <a:pPr lvl="3"/>
@@ -2362,6 +2394,7 @@
               <a:rPr lang="zh-CN" altLang="en-US"/>
               <a:t>第四级</a:t>
             </a:r>
+            <a:endParaRPr lang="zh-CN" altLang="en-US"/>
           </a:p>
           <a:p>
             <a:pPr lvl="4"/>
@@ -2369,6 +2402,7 @@
               <a:rPr lang="zh-CN" altLang="en-US"/>
               <a:t>第五级</a:t>
             </a:r>
+            <a:endParaRPr lang="zh-CN" altLang="en-US"/>
           </a:p>
         </p:txBody>
       </p:sp>
@@ -2434,6 +2468,7 @@
               <a:rPr lang="zh-CN" altLang="en-US"/>
               <a:t>编辑母版文本样式</a:t>
             </a:r>
+            <a:endParaRPr lang="zh-CN" altLang="en-US"/>
           </a:p>
         </p:txBody>
       </p:sp>
@@ -2454,7 +2489,6 @@
           <a:p>
             <a:fld id="{AF3DFB88-C66D-4D4F-992A-21D8B5C2FC83}" type="datetimeFigureOut">
               <a:rPr lang="zh-CN" altLang="en-US" smtClean="0"/>
-              <a:t>2023/12/26</a:t>
             </a:fld>
             <a:endParaRPr lang="zh-CN" altLang="en-US"/>
           </a:p>
@@ -2496,7 +2530,6 @@
           <a:p>
             <a:fld id="{1D393944-DC62-4081-86B4-76E5FCA2F9B8}" type="slidenum">
               <a:rPr lang="zh-CN" altLang="en-US" smtClean="0"/>
-              <a:t>‹#›</a:t>
             </a:fld>
             <a:endParaRPr lang="zh-CN" altLang="en-US"/>
           </a:p>
@@ -2555,6 +2588,7 @@
               <a:rPr lang="zh-CN" altLang="en-US"/>
               <a:t>单击此处编辑母版标题样式</a:t>
             </a:r>
+            <a:endParaRPr lang="zh-CN" altLang="en-US"/>
           </a:p>
         </p:txBody>
       </p:sp>
@@ -2681,6 +2715,7 @@
               <a:rPr lang="zh-CN" altLang="en-US"/>
               <a:t>编辑母版文本样式</a:t>
             </a:r>
+            <a:endParaRPr lang="zh-CN" altLang="en-US"/>
           </a:p>
         </p:txBody>
       </p:sp>
@@ -2701,7 +2736,6 @@
           <a:p>
             <a:fld id="{AF3DFB88-C66D-4D4F-992A-21D8B5C2FC83}" type="datetimeFigureOut">
               <a:rPr lang="zh-CN" altLang="en-US" smtClean="0"/>
-              <a:t>2023/12/26</a:t>
             </a:fld>
             <a:endParaRPr lang="zh-CN" altLang="en-US"/>
           </a:p>
@@ -2743,7 +2777,6 @@
           <a:p>
             <a:fld id="{1D393944-DC62-4081-86B4-76E5FCA2F9B8}" type="slidenum">
               <a:rPr lang="zh-CN" altLang="en-US" smtClean="0"/>
-              <a:t>‹#›</a:t>
             </a:fld>
             <a:endParaRPr lang="zh-CN" altLang="en-US"/>
           </a:p>
@@ -2808,6 +2841,7 @@
               <a:rPr lang="zh-CN" altLang="en-US"/>
               <a:t>单击此处编辑母版标题样式</a:t>
             </a:r>
+            <a:endParaRPr lang="zh-CN" altLang="en-US"/>
           </a:p>
         </p:txBody>
       </p:sp>
@@ -2841,6 +2875,7 @@
               <a:rPr lang="zh-CN" altLang="en-US"/>
               <a:t>编辑母版文本样式</a:t>
             </a:r>
+            <a:endParaRPr lang="zh-CN" altLang="en-US"/>
           </a:p>
           <a:p>
             <a:pPr lvl="1"/>
@@ -2848,6 +2883,7 @@
               <a:rPr lang="zh-CN" altLang="en-US"/>
               <a:t>第二级</a:t>
             </a:r>
+            <a:endParaRPr lang="zh-CN" altLang="en-US"/>
           </a:p>
           <a:p>
             <a:pPr lvl="2"/>
@@ -2855,6 +2891,7 @@
               <a:rPr lang="zh-CN" altLang="en-US"/>
               <a:t>第三级</a:t>
             </a:r>
+            <a:endParaRPr lang="zh-CN" altLang="en-US"/>
           </a:p>
           <a:p>
             <a:pPr lvl="3"/>
@@ -2862,6 +2899,7 @@
               <a:rPr lang="zh-CN" altLang="en-US"/>
               <a:t>第四级</a:t>
             </a:r>
+            <a:endParaRPr lang="zh-CN" altLang="en-US"/>
           </a:p>
           <a:p>
             <a:pPr lvl="4"/>
@@ -2869,6 +2907,7 @@
               <a:rPr lang="zh-CN" altLang="en-US"/>
               <a:t>第五级</a:t>
             </a:r>
+            <a:endParaRPr lang="zh-CN" altLang="en-US"/>
           </a:p>
         </p:txBody>
       </p:sp>
@@ -2907,7 +2946,6 @@
           <a:p>
             <a:fld id="{AF3DFB88-C66D-4D4F-992A-21D8B5C2FC83}" type="datetimeFigureOut">
               <a:rPr lang="zh-CN" altLang="en-US" smtClean="0"/>
-              <a:t>2023/12/26</a:t>
             </a:fld>
             <a:endParaRPr lang="zh-CN" altLang="en-US"/>
           </a:p>
@@ -2985,7 +3023,6 @@
           <a:p>
             <a:fld id="{1D393944-DC62-4081-86B4-76E5FCA2F9B8}" type="slidenum">
               <a:rPr lang="zh-CN" altLang="en-US" smtClean="0"/>
-              <a:t>‹#›</a:t>
             </a:fld>
             <a:endParaRPr lang="zh-CN" altLang="en-US"/>
           </a:p>
@@ -3316,7 +3353,7 @@
           <p:nvPr/>
         </p:nvPicPr>
         <p:blipFill>
-          <a:blip r:embed="rId3"/>
+          <a:blip r:embed="rId1"/>
           <a:stretch>
             <a:fillRect/>
           </a:stretch>
@@ -3340,7 +3377,7 @@
           <p:nvPr/>
         </p:nvPicPr>
         <p:blipFill>
-          <a:blip r:embed="rId4"/>
+          <a:blip r:embed="rId2"/>
           <a:stretch>
             <a:fillRect/>
           </a:stretch>
@@ -3364,7 +3401,7 @@
           <p:nvPr/>
         </p:nvPicPr>
         <p:blipFill rotWithShape="1">
-          <a:blip r:embed="rId4"/>
+          <a:blip r:embed="rId2"/>
           <a:srcRect l="13807"/>
           <a:stretch>
             <a:fillRect/>
@@ -3389,7 +3426,7 @@
           <p:nvPr/>
         </p:nvPicPr>
         <p:blipFill rotWithShape="1">
-          <a:blip r:embed="rId4"/>
+          <a:blip r:embed="rId2"/>
           <a:srcRect l="11337" r="31759"/>
           <a:stretch>
             <a:fillRect/>
@@ -3414,7 +3451,7 @@
           <p:nvPr/>
         </p:nvPicPr>
         <p:blipFill>
-          <a:blip r:embed="rId5"/>
+          <a:blip r:embed="rId3"/>
           <a:stretch>
             <a:fillRect/>
           </a:stretch>
@@ -3518,6 +3555,10 @@
               </a:rPr>
               <a:t>Edge Learning Users </a:t>
             </a:r>
+            <a:endParaRPr dirty="0">
+              <a:latin typeface="Times New Roman Regular" panose="02020603050405020304" charset="0"/>
+              <a:cs typeface="Times New Roman Regular" panose="02020603050405020304" charset="0"/>
+            </a:endParaRPr>
           </a:p>
         </p:txBody>
       </p:sp>
@@ -3550,6 +3591,10 @@
               </a:rPr>
               <a:t>12332463</a:t>
             </a:r>
+            <a:endParaRPr lang="en-US" altLang="zh-CN">
+              <a:latin typeface="Times New Roman Regular" panose="02020603050405020304" charset="0"/>
+              <a:cs typeface="Times New Roman Regular" panose="02020603050405020304" charset="0"/>
+            </a:endParaRPr>
           </a:p>
           <a:p>
             <a:r>
@@ -3559,6 +3604,10 @@
               </a:rPr>
               <a:t>Geng Tian</a:t>
             </a:r>
+            <a:endParaRPr lang="en-US" altLang="zh-CN">
+              <a:latin typeface="Times New Roman Regular" panose="02020603050405020304" charset="0"/>
+              <a:cs typeface="Times New Roman Regular" panose="02020603050405020304" charset="0"/>
+            </a:endParaRPr>
           </a:p>
         </p:txBody>
       </p:sp>
@@ -3567,13 +3616,13 @@
   <p:clrMapOvr>
     <a:masterClrMapping/>
   </p:clrMapOvr>
-  <mc:AlternateContent xmlns:mc="http://schemas.openxmlformats.org/markup-compatibility/2006" xmlns:p14="http://schemas.microsoft.com/office/powerpoint/2010/main">
-    <mc:Choice Requires="p14">
+  <mc:AlternateContent xmlns:mc="http://schemas.openxmlformats.org/markup-compatibility/2006">
+    <mc:Choice xmlns:p14="http://schemas.microsoft.com/office/powerpoint/2010/main" Requires="p14">
       <p:transition spd="med" p14:dur="700">
         <p:fade/>
       </p:transition>
     </mc:Choice>
-    <mc:Fallback xmlns="">
+    <mc:Fallback>
       <p:transition spd="med">
         <p:fade/>
       </p:transition>
@@ -3667,7 +3716,7 @@
           <p:nvPr/>
         </p:nvPicPr>
         <p:blipFill>
-          <a:blip r:embed="rId2"/>
+          <a:blip r:embed="rId1"/>
           <a:stretch>
             <a:fillRect/>
           </a:stretch>
@@ -3691,7 +3740,7 @@
           <p:nvPr/>
         </p:nvPicPr>
         <p:blipFill>
-          <a:blip r:embed="rId3"/>
+          <a:blip r:embed="rId2"/>
           <a:stretch>
             <a:fillRect/>
           </a:stretch>
@@ -3715,7 +3764,7 @@
           <p:nvPr/>
         </p:nvPicPr>
         <p:blipFill>
-          <a:blip r:embed="rId4"/>
+          <a:blip r:embed="rId3"/>
           <a:stretch>
             <a:fillRect/>
           </a:stretch>
@@ -3739,7 +3788,7 @@
           <p:nvPr/>
         </p:nvPicPr>
         <p:blipFill rotWithShape="1">
-          <a:blip r:embed="rId4"/>
+          <a:blip r:embed="rId3"/>
           <a:srcRect l="13807"/>
           <a:stretch>
             <a:fillRect/>
@@ -3764,7 +3813,7 @@
           <p:nvPr/>
         </p:nvPicPr>
         <p:blipFill rotWithShape="1">
-          <a:blip r:embed="rId4"/>
+          <a:blip r:embed="rId3"/>
           <a:srcRect l="11337" r="31759"/>
           <a:stretch>
             <a:fillRect/>
@@ -3789,7 +3838,7 @@
           <p:nvPr/>
         </p:nvPicPr>
         <p:blipFill>
-          <a:blip r:embed="rId5"/>
+          <a:blip r:embed="rId4"/>
           <a:stretch>
             <a:fillRect/>
           </a:stretch>
@@ -3877,6 +3926,12 @@
               </a:rPr>
               <a:t>stage federated learning for label noise correction</a:t>
             </a:r>
+            <a:endParaRPr lang="zh-CN" altLang="en-US" sz="2800">
+              <a:latin typeface="微软雅黑" charset="0"/>
+              <a:ea typeface="微软雅黑" charset="0"/>
+              <a:cs typeface="Times New Roman Regular" panose="02020603050405020304" charset="0"/>
+              <a:sym typeface="+mn-ea"/>
+            </a:endParaRPr>
           </a:p>
           <a:p>
             <a:pPr marL="571500" indent="-571500" algn="l">
@@ -3893,6 +3948,10 @@
               </a:rPr>
               <a:t>Use federated learning as an edge learning framework</a:t>
             </a:r>
+            <a:endParaRPr lang="zh-CN" altLang="en-US" sz="2800" dirty="0">
+              <a:latin typeface="微软雅黑" charset="0"/>
+              <a:ea typeface="微软雅黑" charset="0"/>
+            </a:endParaRPr>
           </a:p>
           <a:p>
             <a:pPr marL="571500" indent="-571500" algn="l">
@@ -3909,6 +3968,10 @@
               </a:rPr>
               <a:t>Use LID to detect unreliable users</a:t>
             </a:r>
+            <a:endParaRPr sz="2800" dirty="0">
+              <a:latin typeface="微软雅黑" charset="0"/>
+              <a:ea typeface="微软雅黑" charset="0"/>
+            </a:endParaRPr>
           </a:p>
         </p:txBody>
       </p:sp>
@@ -3917,13 +3980,13 @@
   <p:clrMapOvr>
     <a:masterClrMapping/>
   </p:clrMapOvr>
-  <mc:AlternateContent xmlns:mc="http://schemas.openxmlformats.org/markup-compatibility/2006" xmlns:p14="http://schemas.microsoft.com/office/powerpoint/2010/main">
-    <mc:Choice Requires="p14">
+  <mc:AlternateContent xmlns:mc="http://schemas.openxmlformats.org/markup-compatibility/2006">
+    <mc:Choice xmlns:p14="http://schemas.microsoft.com/office/powerpoint/2010/main" Requires="p14">
       <p:transition spd="med" p14:dur="700">
         <p:fade/>
       </p:transition>
     </mc:Choice>
-    <mc:Fallback xmlns="">
+    <mc:Fallback>
       <p:transition spd="med">
         <p:fade/>
       </p:transition>
@@ -3961,7 +4024,7 @@
         </p:nvSpPr>
         <p:spPr>
           <a:xfrm>
-            <a:off x="705485" y="396240"/>
+            <a:off x="705485" y="307340"/>
             <a:ext cx="9144000" cy="757555"/>
           </a:xfrm>
         </p:spPr>
@@ -3980,30 +4043,12 @@
               <a:rPr lang="en-US" altLang="zh-CN" sz="3200" b="1" dirty="0">
                 <a:latin typeface="微软雅黑" panose="020B0503020204020204" pitchFamily="34" charset="-122"/>
                 <a:ea typeface="微软雅黑" panose="020B0503020204020204" pitchFamily="34" charset="-122"/>
-                <a:sym typeface="+mn-ea"/>
-              </a:rPr>
-              <a:t>The </a:t>
-            </a:r>
-            <a:r>
-              <a:rPr lang="zh-CN" altLang="en-US" sz="3200" b="1" dirty="0">
-                <a:latin typeface="微软雅黑" panose="020B0503020204020204" pitchFamily="34" charset="-122"/>
-                <a:ea typeface="微软雅黑" panose="020B0503020204020204" pitchFamily="34" charset="-122"/>
-                <a:sym typeface="+mn-ea"/>
-              </a:rPr>
-              <a:t>Existing </a:t>
-            </a:r>
-            <a:r>
-              <a:rPr lang="en-US" altLang="zh-CN" sz="3200" b="1" dirty="0">
-                <a:latin typeface="微软雅黑" panose="020B0503020204020204" pitchFamily="34" charset="-122"/>
-                <a:ea typeface="微软雅黑" panose="020B0503020204020204" pitchFamily="34" charset="-122"/>
-                <a:sym typeface="+mn-ea"/>
-              </a:rPr>
-              <a:t>Solution</a:t>
-            </a:r>
-            <a:endParaRPr lang="en-US" sz="3200" b="1" dirty="0">
+              </a:rPr>
+              <a:t>Structure of the Federated learning</a:t>
+            </a:r>
+            <a:endParaRPr lang="en-US" altLang="zh-CN" sz="3200" b="1" dirty="0">
               <a:latin typeface="微软雅黑" panose="020B0503020204020204" pitchFamily="34" charset="-122"/>
               <a:ea typeface="微软雅黑" panose="020B0503020204020204" pitchFamily="34" charset="-122"/>
-              <a:sym typeface="+mn-ea"/>
             </a:endParaRPr>
           </a:p>
         </p:txBody>
@@ -4011,6 +4056,30 @@
       <p:pic>
         <p:nvPicPr>
           <p:cNvPr id="3" name="图片 2"/>
+          <p:cNvPicPr>
+            <a:picLocks noChangeAspect="1"/>
+          </p:cNvPicPr>
+          <p:nvPr/>
+        </p:nvPicPr>
+        <p:blipFill>
+          <a:blip r:embed="rId1"/>
+          <a:stretch>
+            <a:fillRect/>
+          </a:stretch>
+        </p:blipFill>
+        <p:spPr>
+          <a:xfrm>
+            <a:off x="13252" y="4907605"/>
+            <a:ext cx="12192000" cy="1980925"/>
+          </a:xfrm>
+          <a:prstGeom prst="rect">
+            <a:avLst/>
+          </a:prstGeom>
+        </p:spPr>
+      </p:pic>
+      <p:pic>
+        <p:nvPicPr>
+          <p:cNvPr id="8" name="图片 7"/>
           <p:cNvPicPr>
             <a:picLocks noChangeAspect="1"/>
           </p:cNvPicPr>
@@ -4024,17 +4093,17 @@
         </p:blipFill>
         <p:spPr>
           <a:xfrm>
-            <a:off x="13252" y="4907605"/>
-            <a:ext cx="12192000" cy="1980925"/>
-          </a:xfrm>
-          <a:prstGeom prst="rect">
-            <a:avLst/>
-          </a:prstGeom>
-        </p:spPr>
-      </p:pic>
-      <p:pic>
-        <p:nvPicPr>
-          <p:cNvPr id="8" name="图片 7"/>
+            <a:off x="439676" y="307638"/>
+            <a:ext cx="265554" cy="934751"/>
+          </a:xfrm>
+          <a:prstGeom prst="rect">
+            <a:avLst/>
+          </a:prstGeom>
+        </p:spPr>
+      </p:pic>
+      <p:pic>
+        <p:nvPicPr>
+          <p:cNvPr id="9" name="图片 8"/>
           <p:cNvPicPr>
             <a:picLocks noChangeAspect="1"/>
           </p:cNvPicPr>
@@ -4048,30 +4117,6 @@
         </p:blipFill>
         <p:spPr>
           <a:xfrm>
-            <a:off x="439676" y="307638"/>
-            <a:ext cx="265554" cy="934751"/>
-          </a:xfrm>
-          <a:prstGeom prst="rect">
-            <a:avLst/>
-          </a:prstGeom>
-        </p:spPr>
-      </p:pic>
-      <p:pic>
-        <p:nvPicPr>
-          <p:cNvPr id="9" name="图片 8"/>
-          <p:cNvPicPr>
-            <a:picLocks noChangeAspect="1"/>
-          </p:cNvPicPr>
-          <p:nvPr/>
-        </p:nvPicPr>
-        <p:blipFill>
-          <a:blip r:embed="rId4"/>
-          <a:stretch>
-            <a:fillRect/>
-          </a:stretch>
-        </p:blipFill>
-        <p:spPr>
-          <a:xfrm>
             <a:off x="-22104" y="5391540"/>
             <a:ext cx="5018936" cy="1334540"/>
           </a:xfrm>
@@ -4089,7 +4134,7 @@
           <p:nvPr/>
         </p:nvPicPr>
         <p:blipFill rotWithShape="1">
-          <a:blip r:embed="rId4"/>
+          <a:blip r:embed="rId3"/>
           <a:srcRect l="13807"/>
           <a:stretch>
             <a:fillRect/>
@@ -4114,7 +4159,7 @@
           <p:nvPr/>
         </p:nvPicPr>
         <p:blipFill rotWithShape="1">
-          <a:blip r:embed="rId4"/>
+          <a:blip r:embed="rId3"/>
           <a:srcRect l="11337" r="31759"/>
           <a:stretch>
             <a:fillRect/>
@@ -4139,7 +4184,7 @@
           <p:nvPr/>
         </p:nvPicPr>
         <p:blipFill>
-          <a:blip r:embed="rId5"/>
+          <a:blip r:embed="rId4"/>
           <a:stretch>
             <a:fillRect/>
           </a:stretch>
@@ -4156,20 +4201,14 @@
       </p:pic>
       <p:pic>
         <p:nvPicPr>
-          <p:cNvPr id="19" name="图片 18">
-            <a:extLst>
-              <a:ext uri="{FF2B5EF4-FFF2-40B4-BE49-F238E27FC236}">
-                <a16:creationId xmlns:a16="http://schemas.microsoft.com/office/drawing/2014/main" id="{F60847E2-0BD9-94E4-D5D4-190D4F2895DC}"/>
-              </a:ext>
-            </a:extLst>
-          </p:cNvPr>
+          <p:cNvPr id="6" name="图片 5"/>
           <p:cNvPicPr>
             <a:picLocks noChangeAspect="1"/>
           </p:cNvPicPr>
           <p:nvPr/>
         </p:nvPicPr>
         <p:blipFill>
-          <a:blip r:embed="rId6">
+          <a:blip r:embed="rId5">
             <a:extLst>
               <a:ext uri="{28A0092B-C50C-407E-A947-70E740481C1C}">
                 <a14:useLocalDpi xmlns:a14="http://schemas.microsoft.com/office/drawing/2010/main" val="0"/>
@@ -4182,80 +4221,8 @@
         </p:blipFill>
         <p:spPr>
           <a:xfrm>
-            <a:off x="292100" y="1195460"/>
-            <a:ext cx="5892800" cy="3100348"/>
-          </a:xfrm>
-          <a:prstGeom prst="rect">
-            <a:avLst/>
-          </a:prstGeom>
-        </p:spPr>
-      </p:pic>
-      <p:pic>
-        <p:nvPicPr>
-          <p:cNvPr id="21" name="图片 20">
-            <a:extLst>
-              <a:ext uri="{FF2B5EF4-FFF2-40B4-BE49-F238E27FC236}">
-                <a16:creationId xmlns:a16="http://schemas.microsoft.com/office/drawing/2014/main" id="{9F353D36-AF71-4CEF-A9B8-9EA7EEBFDC8D}"/>
-              </a:ext>
-            </a:extLst>
-          </p:cNvPr>
-          <p:cNvPicPr>
-            <a:picLocks noChangeAspect="1"/>
-          </p:cNvPicPr>
-          <p:nvPr/>
-        </p:nvPicPr>
-        <p:blipFill>
-          <a:blip r:embed="rId7">
-            <a:extLst>
-              <a:ext uri="{28A0092B-C50C-407E-A947-70E740481C1C}">
-                <a14:useLocalDpi xmlns:a14="http://schemas.microsoft.com/office/drawing/2010/main" val="0"/>
-              </a:ext>
-            </a:extLst>
-          </a:blip>
-          <a:stretch>
-            <a:fillRect/>
-          </a:stretch>
-        </p:blipFill>
-        <p:spPr>
-          <a:xfrm>
-            <a:off x="7661495" y="1508125"/>
-            <a:ext cx="3707786" cy="3841750"/>
-          </a:xfrm>
-          <a:prstGeom prst="rect">
-            <a:avLst/>
-          </a:prstGeom>
-        </p:spPr>
-      </p:pic>
-      <p:pic>
-        <p:nvPicPr>
-          <p:cNvPr id="23" name="图片 22">
-            <a:extLst>
-              <a:ext uri="{FF2B5EF4-FFF2-40B4-BE49-F238E27FC236}">
-                <a16:creationId xmlns:a16="http://schemas.microsoft.com/office/drawing/2014/main" id="{9426F404-8CB3-081B-179C-B97BE7119BFB}"/>
-              </a:ext>
-            </a:extLst>
-          </p:cNvPr>
-          <p:cNvPicPr>
-            <a:picLocks noChangeAspect="1"/>
-          </p:cNvPicPr>
-          <p:nvPr/>
-        </p:nvPicPr>
-        <p:blipFill>
-          <a:blip r:embed="rId8" cstate="print">
-            <a:extLst>
-              <a:ext uri="{28A0092B-C50C-407E-A947-70E740481C1C}">
-                <a14:useLocalDpi xmlns:a14="http://schemas.microsoft.com/office/drawing/2010/main" val="0"/>
-              </a:ext>
-            </a:extLst>
-          </a:blip>
-          <a:stretch>
-            <a:fillRect/>
-          </a:stretch>
-        </p:blipFill>
-        <p:spPr>
-          <a:xfrm>
-            <a:off x="1136650" y="4766698"/>
-            <a:ext cx="3810973" cy="624842"/>
+            <a:off x="2391238" y="1276619"/>
+            <a:ext cx="7409524" cy="4304762"/>
           </a:xfrm>
           <a:prstGeom prst="rect">
             <a:avLst/>
@@ -4267,13 +4234,13 @@
   <p:clrMapOvr>
     <a:masterClrMapping/>
   </p:clrMapOvr>
-  <mc:AlternateContent xmlns:mc="http://schemas.openxmlformats.org/markup-compatibility/2006" xmlns:p14="http://schemas.microsoft.com/office/powerpoint/2010/main">
-    <mc:Choice Requires="p14">
+  <mc:AlternateContent xmlns:mc="http://schemas.openxmlformats.org/markup-compatibility/2006">
+    <mc:Choice xmlns:p14="http://schemas.microsoft.com/office/powerpoint/2010/main" Requires="p14">
       <p:transition spd="med" p14:dur="700">
         <p:fade/>
       </p:transition>
     </mc:Choice>
-    <mc:Fallback xmlns="">
+    <mc:Fallback>
       <p:transition spd="med">
         <p:fade/>
       </p:transition>
@@ -4340,7 +4307,7 @@
                 <a:ea typeface="微软雅黑" panose="020B0503020204020204" pitchFamily="34" charset="-122"/>
                 <a:sym typeface="+mn-ea"/>
               </a:rPr>
-              <a:t>New </a:t>
+              <a:t>Existing </a:t>
             </a:r>
             <a:r>
               <a:rPr lang="en-US" altLang="zh-CN" sz="3200" b="1" dirty="0">
@@ -4348,31 +4315,7 @@
                 <a:ea typeface="微软雅黑" panose="020B0503020204020204" pitchFamily="34" charset="-122"/>
                 <a:sym typeface="+mn-ea"/>
               </a:rPr>
-              <a:t>P</a:t>
-            </a:r>
-            <a:r>
-              <a:rPr lang="zh-CN" altLang="en-US" sz="3200" b="1" dirty="0">
-                <a:latin typeface="微软雅黑" panose="020B0503020204020204" pitchFamily="34" charset="-122"/>
-                <a:ea typeface="微软雅黑" panose="020B0503020204020204" pitchFamily="34" charset="-122"/>
-                <a:sym typeface="+mn-ea"/>
-              </a:rPr>
-              <a:t>roposed </a:t>
-            </a:r>
-            <a:r>
-              <a:rPr lang="en-US" altLang="zh-CN" sz="3200" b="1" dirty="0">
-                <a:latin typeface="微软雅黑" panose="020B0503020204020204" pitchFamily="34" charset="-122"/>
-                <a:ea typeface="微软雅黑" panose="020B0503020204020204" pitchFamily="34" charset="-122"/>
-                <a:sym typeface="+mn-ea"/>
-              </a:rPr>
-              <a:t>S</a:t>
-            </a:r>
-            <a:r>
-              <a:rPr lang="zh-CN" altLang="en-US" sz="3200" b="1" dirty="0">
-                <a:latin typeface="微软雅黑" panose="020B0503020204020204" pitchFamily="34" charset="-122"/>
-                <a:ea typeface="微软雅黑" panose="020B0503020204020204" pitchFamily="34" charset="-122"/>
-                <a:sym typeface="+mn-ea"/>
-              </a:rPr>
-              <a:t>olution</a:t>
+              <a:t>Solution</a:t>
             </a:r>
             <a:endParaRPr lang="en-US" sz="3200" b="1" dirty="0">
               <a:latin typeface="微软雅黑" panose="020B0503020204020204" pitchFamily="34" charset="-122"/>
@@ -4391,7 +4334,7 @@
           <p:nvPr/>
         </p:nvPicPr>
         <p:blipFill>
-          <a:blip r:embed="rId2"/>
+          <a:blip r:embed="rId1"/>
           <a:stretch>
             <a:fillRect/>
           </a:stretch>
@@ -4415,7 +4358,7 @@
           <p:nvPr/>
         </p:nvPicPr>
         <p:blipFill>
-          <a:blip r:embed="rId3"/>
+          <a:blip r:embed="rId2"/>
           <a:stretch>
             <a:fillRect/>
           </a:stretch>
@@ -4439,7 +4382,7 @@
           <p:nvPr/>
         </p:nvPicPr>
         <p:blipFill>
-          <a:blip r:embed="rId4"/>
+          <a:blip r:embed="rId3"/>
           <a:stretch>
             <a:fillRect/>
           </a:stretch>
@@ -4463,7 +4406,7 @@
           <p:nvPr/>
         </p:nvPicPr>
         <p:blipFill rotWithShape="1">
-          <a:blip r:embed="rId4"/>
+          <a:blip r:embed="rId3"/>
           <a:srcRect l="13807"/>
           <a:stretch>
             <a:fillRect/>
@@ -4488,7 +4431,7 @@
           <p:nvPr/>
         </p:nvPicPr>
         <p:blipFill rotWithShape="1">
-          <a:blip r:embed="rId4"/>
+          <a:blip r:embed="rId3"/>
           <a:srcRect l="11337" r="31759"/>
           <a:stretch>
             <a:fillRect/>
@@ -4513,7 +4456,7 @@
           <p:nvPr/>
         </p:nvPicPr>
         <p:blipFill>
-          <a:blip r:embed="rId5"/>
+          <a:blip r:embed="rId4"/>
           <a:stretch>
             <a:fillRect/>
           </a:stretch>
@@ -4528,92 +4471,108 @@
           </a:prstGeom>
         </p:spPr>
       </p:pic>
-      <p:sp>
-        <p:nvSpPr>
-          <p:cNvPr id="6" name="标题 1"/>
-          <p:cNvSpPr txBox="1"/>
-          <p:nvPr/>
-        </p:nvSpPr>
-        <p:spPr>
-          <a:xfrm>
-            <a:off x="439420" y="3550920"/>
-            <a:ext cx="11501755" cy="869950"/>
-          </a:xfrm>
-          <a:prstGeom prst="rect">
-            <a:avLst/>
-          </a:prstGeom>
-        </p:spPr>
-        <p:txBody>
-          <a:bodyPr vert="horz" lIns="91440" tIns="45720" rIns="91440" bIns="45720" rtlCol="0" anchor="b">
-            <a:noAutofit/>
-          </a:bodyPr>
-          <a:lstStyle>
-            <a:lvl1pPr algn="ctr" defTabSz="914400" rtl="0" eaLnBrk="1" latinLnBrk="0" hangingPunct="1">
-              <a:lnSpc>
-                <a:spcPct val="90000"/>
-              </a:lnSpc>
-              <a:spcBef>
-                <a:spcPct val="0"/>
-              </a:spcBef>
-              <a:buNone/>
-              <a:defRPr sz="6000" kern="1200">
-                <a:solidFill>
-                  <a:schemeClr val="tx1"/>
-                </a:solidFill>
-                <a:latin typeface="+mj-lt"/>
-                <a:ea typeface="+mj-ea"/>
-                <a:cs typeface="+mj-cs"/>
-              </a:defRPr>
-            </a:lvl1pPr>
-          </a:lstStyle>
-          <a:p>
-            <a:pPr marL="571500" indent="-571500" algn="l">
-              <a:lnSpc>
-                <a:spcPct val="200000"/>
-              </a:lnSpc>
-              <a:buFont typeface="Arial" panose="020B0604020202020204" pitchFamily="34" charset="0"/>
-              <a:buChar char="•"/>
-            </a:pPr>
-            <a:r>
-              <a:rPr sz="2800">
-                <a:latin typeface="微软雅黑" charset="0"/>
-                <a:ea typeface="微软雅黑" charset="0"/>
-                <a:cs typeface="Times New Roman Regular" panose="02020603050405020304" charset="0"/>
-                <a:sym typeface="+mn-ea"/>
-              </a:rPr>
-              <a:t>Use SplitFed learning instead of federated learning</a:t>
-            </a:r>
-          </a:p>
-          <a:p>
-            <a:pPr marL="571500" indent="-571500" algn="l">
-              <a:lnSpc>
-                <a:spcPct val="200000"/>
-              </a:lnSpc>
-              <a:buFont typeface="Arial" panose="020B0604020202020204" pitchFamily="34" charset="0"/>
-              <a:buChar char="•"/>
-            </a:pPr>
-            <a:r>
-              <a:rPr lang="zh-CN" sz="2800" dirty="0">
-                <a:latin typeface="微软雅黑" charset="0"/>
-                <a:ea typeface="微软雅黑" charset="0"/>
-              </a:rPr>
-              <a:t>All testing is done without the user's knowledge, preventing some users from not cooperating</a:t>
-            </a:r>
-          </a:p>
-        </p:txBody>
-      </p:sp>
+      <p:pic>
+        <p:nvPicPr>
+          <p:cNvPr id="19" name="图片 18"/>
+          <p:cNvPicPr>
+            <a:picLocks noChangeAspect="1"/>
+          </p:cNvPicPr>
+          <p:nvPr/>
+        </p:nvPicPr>
+        <p:blipFill>
+          <a:blip r:embed="rId5">
+            <a:extLst>
+              <a:ext uri="{28A0092B-C50C-407E-A947-70E740481C1C}">
+                <a14:useLocalDpi xmlns:a14="http://schemas.microsoft.com/office/drawing/2010/main" val="0"/>
+              </a:ext>
+            </a:extLst>
+          </a:blip>
+          <a:stretch>
+            <a:fillRect/>
+          </a:stretch>
+        </p:blipFill>
+        <p:spPr>
+          <a:xfrm>
+            <a:off x="292100" y="1195460"/>
+            <a:ext cx="5892800" cy="3100348"/>
+          </a:xfrm>
+          <a:prstGeom prst="rect">
+            <a:avLst/>
+          </a:prstGeom>
+        </p:spPr>
+      </p:pic>
+      <p:pic>
+        <p:nvPicPr>
+          <p:cNvPr id="21" name="图片 20"/>
+          <p:cNvPicPr>
+            <a:picLocks noChangeAspect="1"/>
+          </p:cNvPicPr>
+          <p:nvPr/>
+        </p:nvPicPr>
+        <p:blipFill>
+          <a:blip r:embed="rId6">
+            <a:extLst>
+              <a:ext uri="{28A0092B-C50C-407E-A947-70E740481C1C}">
+                <a14:useLocalDpi xmlns:a14="http://schemas.microsoft.com/office/drawing/2010/main" val="0"/>
+              </a:ext>
+            </a:extLst>
+          </a:blip>
+          <a:stretch>
+            <a:fillRect/>
+          </a:stretch>
+        </p:blipFill>
+        <p:spPr>
+          <a:xfrm>
+            <a:off x="7661495" y="1508125"/>
+            <a:ext cx="3707786" cy="3841750"/>
+          </a:xfrm>
+          <a:prstGeom prst="rect">
+            <a:avLst/>
+          </a:prstGeom>
+        </p:spPr>
+      </p:pic>
+      <p:pic>
+        <p:nvPicPr>
+          <p:cNvPr id="23" name="图片 22"/>
+          <p:cNvPicPr>
+            <a:picLocks noChangeAspect="1"/>
+          </p:cNvPicPr>
+          <p:nvPr/>
+        </p:nvPicPr>
+        <p:blipFill>
+          <a:blip r:embed="rId7" cstate="print">
+            <a:extLst>
+              <a:ext uri="{28A0092B-C50C-407E-A947-70E740481C1C}">
+                <a14:useLocalDpi xmlns:a14="http://schemas.microsoft.com/office/drawing/2010/main" val="0"/>
+              </a:ext>
+            </a:extLst>
+          </a:blip>
+          <a:stretch>
+            <a:fillRect/>
+          </a:stretch>
+        </p:blipFill>
+        <p:spPr>
+          <a:xfrm>
+            <a:off x="1136650" y="4766698"/>
+            <a:ext cx="3810973" cy="624842"/>
+          </a:xfrm>
+          <a:prstGeom prst="rect">
+            <a:avLst/>
+          </a:prstGeom>
+        </p:spPr>
+      </p:pic>
     </p:spTree>
   </p:cSld>
   <p:clrMapOvr>
     <a:masterClrMapping/>
   </p:clrMapOvr>
-  <mc:AlternateContent xmlns:mc="http://schemas.openxmlformats.org/markup-compatibility/2006" xmlns:p14="http://schemas.microsoft.com/office/powerpoint/2010/main">
-    <mc:Choice Requires="p14">
+  <mc:AlternateContent xmlns:mc="http://schemas.openxmlformats.org/markup-compatibility/2006">
+    <mc:Choice xmlns:p14="http://schemas.microsoft.com/office/powerpoint/2010/main" Requires="p14">
       <p:transition spd="med" p14:dur="700">
         <p:fade/>
       </p:transition>
     </mc:Choice>
-    <mc:Fallback xmlns="">
+    <mc:Fallback>
       <p:transition spd="med">
         <p:fade/>
       </p:transition>
@@ -4651,7 +4610,7 @@
         </p:nvSpPr>
         <p:spPr>
           <a:xfrm>
-            <a:off x="705485" y="307340"/>
+            <a:off x="705485" y="396240"/>
             <a:ext cx="9144000" cy="757555"/>
           </a:xfrm>
         </p:spPr>
@@ -4670,15 +4629,85 @@
               <a:rPr lang="en-US" altLang="zh-CN" sz="3200" b="1" dirty="0">
                 <a:latin typeface="微软雅黑" panose="020B0503020204020204" pitchFamily="34" charset="-122"/>
                 <a:ea typeface="微软雅黑" panose="020B0503020204020204" pitchFamily="34" charset="-122"/>
-              </a:rPr>
-              <a:t>Structure of the Federated learning</a:t>
-            </a:r>
+                <a:sym typeface="+mn-ea"/>
+              </a:rPr>
+              <a:t>The </a:t>
+            </a:r>
+            <a:r>
+              <a:rPr lang="zh-CN" altLang="en-US" sz="3200" b="1" dirty="0">
+                <a:latin typeface="微软雅黑" panose="020B0503020204020204" pitchFamily="34" charset="-122"/>
+                <a:ea typeface="微软雅黑" panose="020B0503020204020204" pitchFamily="34" charset="-122"/>
+                <a:sym typeface="+mn-ea"/>
+              </a:rPr>
+              <a:t>New </a:t>
+            </a:r>
+            <a:r>
+              <a:rPr lang="en-US" altLang="zh-CN" sz="3200" b="1" dirty="0">
+                <a:latin typeface="微软雅黑" panose="020B0503020204020204" pitchFamily="34" charset="-122"/>
+                <a:ea typeface="微软雅黑" panose="020B0503020204020204" pitchFamily="34" charset="-122"/>
+                <a:sym typeface="+mn-ea"/>
+              </a:rPr>
+              <a:t>P</a:t>
+            </a:r>
+            <a:r>
+              <a:rPr lang="zh-CN" altLang="en-US" sz="3200" b="1" dirty="0">
+                <a:latin typeface="微软雅黑" panose="020B0503020204020204" pitchFamily="34" charset="-122"/>
+                <a:ea typeface="微软雅黑" panose="020B0503020204020204" pitchFamily="34" charset="-122"/>
+                <a:sym typeface="+mn-ea"/>
+              </a:rPr>
+              <a:t>roposed </a:t>
+            </a:r>
+            <a:r>
+              <a:rPr lang="en-US" altLang="zh-CN" sz="3200" b="1" dirty="0">
+                <a:latin typeface="微软雅黑" panose="020B0503020204020204" pitchFamily="34" charset="-122"/>
+                <a:ea typeface="微软雅黑" panose="020B0503020204020204" pitchFamily="34" charset="-122"/>
+                <a:sym typeface="+mn-ea"/>
+              </a:rPr>
+              <a:t>S</a:t>
+            </a:r>
+            <a:r>
+              <a:rPr lang="zh-CN" altLang="en-US" sz="3200" b="1" dirty="0">
+                <a:latin typeface="微软雅黑" panose="020B0503020204020204" pitchFamily="34" charset="-122"/>
+                <a:ea typeface="微软雅黑" panose="020B0503020204020204" pitchFamily="34" charset="-122"/>
+                <a:sym typeface="+mn-ea"/>
+              </a:rPr>
+              <a:t>olution</a:t>
+            </a:r>
+            <a:endParaRPr lang="en-US" sz="3200" b="1" dirty="0">
+              <a:latin typeface="微软雅黑" panose="020B0503020204020204" pitchFamily="34" charset="-122"/>
+              <a:ea typeface="微软雅黑" panose="020B0503020204020204" pitchFamily="34" charset="-122"/>
+              <a:sym typeface="+mn-ea"/>
+            </a:endParaRPr>
           </a:p>
         </p:txBody>
       </p:sp>
       <p:pic>
         <p:nvPicPr>
           <p:cNvPr id="3" name="图片 2"/>
+          <p:cNvPicPr>
+            <a:picLocks noChangeAspect="1"/>
+          </p:cNvPicPr>
+          <p:nvPr/>
+        </p:nvPicPr>
+        <p:blipFill>
+          <a:blip r:embed="rId1"/>
+          <a:stretch>
+            <a:fillRect/>
+          </a:stretch>
+        </p:blipFill>
+        <p:spPr>
+          <a:xfrm>
+            <a:off x="13252" y="4907605"/>
+            <a:ext cx="12192000" cy="1980925"/>
+          </a:xfrm>
+          <a:prstGeom prst="rect">
+            <a:avLst/>
+          </a:prstGeom>
+        </p:spPr>
+      </p:pic>
+      <p:pic>
+        <p:nvPicPr>
+          <p:cNvPr id="8" name="图片 7"/>
           <p:cNvPicPr>
             <a:picLocks noChangeAspect="1"/>
           </p:cNvPicPr>
@@ -4692,17 +4721,17 @@
         </p:blipFill>
         <p:spPr>
           <a:xfrm>
-            <a:off x="13252" y="4907605"/>
-            <a:ext cx="12192000" cy="1980925"/>
-          </a:xfrm>
-          <a:prstGeom prst="rect">
-            <a:avLst/>
-          </a:prstGeom>
-        </p:spPr>
-      </p:pic>
-      <p:pic>
-        <p:nvPicPr>
-          <p:cNvPr id="8" name="图片 7"/>
+            <a:off x="439676" y="307638"/>
+            <a:ext cx="265554" cy="934751"/>
+          </a:xfrm>
+          <a:prstGeom prst="rect">
+            <a:avLst/>
+          </a:prstGeom>
+        </p:spPr>
+      </p:pic>
+      <p:pic>
+        <p:nvPicPr>
+          <p:cNvPr id="9" name="图片 8"/>
           <p:cNvPicPr>
             <a:picLocks noChangeAspect="1"/>
           </p:cNvPicPr>
@@ -4716,30 +4745,6 @@
         </p:blipFill>
         <p:spPr>
           <a:xfrm>
-            <a:off x="439676" y="307638"/>
-            <a:ext cx="265554" cy="934751"/>
-          </a:xfrm>
-          <a:prstGeom prst="rect">
-            <a:avLst/>
-          </a:prstGeom>
-        </p:spPr>
-      </p:pic>
-      <p:pic>
-        <p:nvPicPr>
-          <p:cNvPr id="9" name="图片 8"/>
-          <p:cNvPicPr>
-            <a:picLocks noChangeAspect="1"/>
-          </p:cNvPicPr>
-          <p:nvPr/>
-        </p:nvPicPr>
-        <p:blipFill>
-          <a:blip r:embed="rId4"/>
-          <a:stretch>
-            <a:fillRect/>
-          </a:stretch>
-        </p:blipFill>
-        <p:spPr>
-          <a:xfrm>
             <a:off x="-22104" y="5391540"/>
             <a:ext cx="5018936" cy="1334540"/>
           </a:xfrm>
@@ -4757,7 +4762,7 @@
           <p:nvPr/>
         </p:nvPicPr>
         <p:blipFill rotWithShape="1">
-          <a:blip r:embed="rId4"/>
+          <a:blip r:embed="rId3"/>
           <a:srcRect l="13807"/>
           <a:stretch>
             <a:fillRect/>
@@ -4782,7 +4787,7 @@
           <p:nvPr/>
         </p:nvPicPr>
         <p:blipFill rotWithShape="1">
-          <a:blip r:embed="rId4"/>
+          <a:blip r:embed="rId3"/>
           <a:srcRect l="11337" r="31759"/>
           <a:stretch>
             <a:fillRect/>
@@ -4807,7 +4812,7 @@
           <p:nvPr/>
         </p:nvPicPr>
         <p:blipFill>
-          <a:blip r:embed="rId5"/>
+          <a:blip r:embed="rId4"/>
           <a:stretch>
             <a:fillRect/>
           </a:stretch>
@@ -4822,48 +4827,126 @@
           </a:prstGeom>
         </p:spPr>
       </p:pic>
-      <p:pic>
-        <p:nvPicPr>
-          <p:cNvPr id="6" name="图片 5"/>
-          <p:cNvPicPr>
-            <a:picLocks noChangeAspect="1"/>
-          </p:cNvPicPr>
-          <p:nvPr/>
-        </p:nvPicPr>
-        <p:blipFill>
-          <a:blip r:embed="rId6">
-            <a:extLst>
-              <a:ext uri="{28A0092B-C50C-407E-A947-70E740481C1C}">
-                <a14:useLocalDpi xmlns:a14="http://schemas.microsoft.com/office/drawing/2010/main" val="0"/>
-              </a:ext>
-            </a:extLst>
-          </a:blip>
-          <a:stretch>
-            <a:fillRect/>
-          </a:stretch>
-        </p:blipFill>
-        <p:spPr>
-          <a:xfrm>
-            <a:off x="2391238" y="1276619"/>
-            <a:ext cx="7409524" cy="4304762"/>
-          </a:xfrm>
-          <a:prstGeom prst="rect">
-            <a:avLst/>
-          </a:prstGeom>
-        </p:spPr>
-      </p:pic>
+      <p:sp>
+        <p:nvSpPr>
+          <p:cNvPr id="6" name="标题 1"/>
+          <p:cNvSpPr txBox="1"/>
+          <p:nvPr/>
+        </p:nvSpPr>
+        <p:spPr>
+          <a:xfrm>
+            <a:off x="676910" y="4037965"/>
+            <a:ext cx="11501755" cy="869950"/>
+          </a:xfrm>
+          <a:prstGeom prst="rect">
+            <a:avLst/>
+          </a:prstGeom>
+        </p:spPr>
+        <p:txBody>
+          <a:bodyPr vert="horz" lIns="91440" tIns="45720" rIns="91440" bIns="45720" rtlCol="0" anchor="b">
+            <a:noAutofit/>
+          </a:bodyPr>
+          <a:lstStyle>
+            <a:lvl1pPr algn="ctr" defTabSz="914400" rtl="0" eaLnBrk="1" latinLnBrk="0" hangingPunct="1">
+              <a:lnSpc>
+                <a:spcPct val="90000"/>
+              </a:lnSpc>
+              <a:spcBef>
+                <a:spcPct val="0"/>
+              </a:spcBef>
+              <a:buNone/>
+              <a:defRPr sz="6000" kern="1200">
+                <a:solidFill>
+                  <a:schemeClr val="tx1"/>
+                </a:solidFill>
+                <a:latin typeface="+mj-lt"/>
+                <a:ea typeface="+mj-ea"/>
+                <a:cs typeface="+mj-cs"/>
+              </a:defRPr>
+            </a:lvl1pPr>
+          </a:lstStyle>
+          <a:p>
+            <a:pPr marL="571500" indent="-571500" algn="l">
+              <a:lnSpc>
+                <a:spcPct val="200000"/>
+              </a:lnSpc>
+              <a:buFont typeface="Arial" panose="020B0604020202020204" pitchFamily="34" charset="0"/>
+              <a:buChar char="•"/>
+            </a:pPr>
+            <a:r>
+              <a:rPr sz="2800">
+                <a:latin typeface="微软雅黑" charset="0"/>
+                <a:ea typeface="微软雅黑" charset="0"/>
+                <a:cs typeface="Times New Roman Regular" panose="02020603050405020304" charset="0"/>
+                <a:sym typeface="+mn-ea"/>
+              </a:rPr>
+              <a:t>Use SplitFed learning instead of federated learning</a:t>
+            </a:r>
+            <a:endParaRPr sz="2800">
+              <a:latin typeface="微软雅黑" charset="0"/>
+              <a:ea typeface="微软雅黑" charset="0"/>
+              <a:cs typeface="Times New Roman Regular" panose="02020603050405020304" charset="0"/>
+              <a:sym typeface="+mn-ea"/>
+            </a:endParaRPr>
+          </a:p>
+          <a:p>
+            <a:pPr marL="571500" indent="-571500" algn="l">
+              <a:lnSpc>
+                <a:spcPct val="200000"/>
+              </a:lnSpc>
+              <a:buFont typeface="Arial" panose="020B0604020202020204" pitchFamily="34" charset="0"/>
+              <a:buChar char="•"/>
+            </a:pPr>
+            <a:r>
+              <a:rPr sz="2800">
+                <a:latin typeface="微软雅黑" charset="0"/>
+                <a:ea typeface="微软雅黑" charset="0"/>
+                <a:cs typeface="Times New Roman Regular" panose="02020603050405020304" charset="0"/>
+                <a:sym typeface="+mn-ea"/>
+              </a:rPr>
+              <a:t>The solution is capable of detecting non-IID data</a:t>
+            </a:r>
+            <a:endParaRPr sz="2800">
+              <a:latin typeface="微软雅黑" charset="0"/>
+              <a:ea typeface="微软雅黑" charset="0"/>
+              <a:cs typeface="Times New Roman Regular" panose="02020603050405020304" charset="0"/>
+              <a:sym typeface="+mn-ea"/>
+            </a:endParaRPr>
+          </a:p>
+          <a:p>
+            <a:pPr marL="571500" indent="-571500" algn="l">
+              <a:lnSpc>
+                <a:spcPct val="200000"/>
+              </a:lnSpc>
+              <a:buFont typeface="Arial" panose="020B0604020202020204" pitchFamily="34" charset="0"/>
+              <a:buChar char="•"/>
+            </a:pPr>
+            <a:r>
+              <a:rPr lang="zh-CN" sz="2800" dirty="0">
+                <a:latin typeface="微软雅黑" charset="0"/>
+                <a:ea typeface="微软雅黑" charset="0"/>
+              </a:rPr>
+              <a:t>All testing is done without the user's knowledge, preventing some users from not cooperating</a:t>
+            </a:r>
+            <a:endParaRPr lang="zh-CN" sz="2800" dirty="0">
+              <a:latin typeface="微软雅黑" charset="0"/>
+              <a:ea typeface="微软雅黑" charset="0"/>
+            </a:endParaRPr>
+          </a:p>
+        </p:txBody>
+      </p:sp>
     </p:spTree>
   </p:cSld>
   <p:clrMapOvr>
     <a:masterClrMapping/>
   </p:clrMapOvr>
-  <mc:AlternateContent xmlns:mc="http://schemas.openxmlformats.org/markup-compatibility/2006" xmlns:p14="http://schemas.microsoft.com/office/powerpoint/2010/main">
-    <mc:Choice Requires="p14">
+  <mc:AlternateContent xmlns:mc="http://schemas.openxmlformats.org/markup-compatibility/2006">
+    <mc:Choice xmlns:p14="http://schemas.microsoft.com/office/powerpoint/2010/main" Requires="p14">
       <p:transition spd="med" p14:dur="700">
         <p:fade/>
       </p:transition>
     </mc:Choice>
-    <mc:Fallback xmlns="">
+    <mc:Fallback>
       <p:transition spd="med">
         <p:fade/>
       </p:transition>
@@ -4946,7 +5029,7 @@
           <p:nvPr/>
         </p:nvPicPr>
         <p:blipFill>
-          <a:blip r:embed="rId2"/>
+          <a:blip r:embed="rId1"/>
           <a:stretch>
             <a:fillRect/>
           </a:stretch>
@@ -4970,7 +5053,7 @@
           <p:nvPr/>
         </p:nvPicPr>
         <p:blipFill>
-          <a:blip r:embed="rId3"/>
+          <a:blip r:embed="rId2"/>
           <a:stretch>
             <a:fillRect/>
           </a:stretch>
@@ -4994,7 +5077,7 @@
           <p:nvPr/>
         </p:nvPicPr>
         <p:blipFill>
-          <a:blip r:embed="rId4"/>
+          <a:blip r:embed="rId3"/>
           <a:stretch>
             <a:fillRect/>
           </a:stretch>
@@ -5018,7 +5101,7 @@
           <p:nvPr/>
         </p:nvPicPr>
         <p:blipFill rotWithShape="1">
-          <a:blip r:embed="rId4"/>
+          <a:blip r:embed="rId3"/>
           <a:srcRect l="13807"/>
           <a:stretch>
             <a:fillRect/>
@@ -5043,7 +5126,7 @@
           <p:nvPr/>
         </p:nvPicPr>
         <p:blipFill rotWithShape="1">
-          <a:blip r:embed="rId4"/>
+          <a:blip r:embed="rId3"/>
           <a:srcRect l="11337" r="31759"/>
           <a:stretch>
             <a:fillRect/>
@@ -5068,7 +5151,7 @@
           <p:nvPr/>
         </p:nvPicPr>
         <p:blipFill>
-          <a:blip r:embed="rId5"/>
+          <a:blip r:embed="rId4"/>
           <a:stretch>
             <a:fillRect/>
           </a:stretch>
@@ -5092,7 +5175,7 @@
           <p:nvPr/>
         </p:nvPicPr>
         <p:blipFill>
-          <a:blip r:embed="rId6">
+          <a:blip r:embed="rId5">
             <a:extLst>
               <a:ext uri="{28A0092B-C50C-407E-A947-70E740481C1C}">
                 <a14:useLocalDpi xmlns:a14="http://schemas.microsoft.com/office/drawing/2010/main" val="0"/>
@@ -5118,13 +5201,13 @@
   <p:clrMapOvr>
     <a:masterClrMapping/>
   </p:clrMapOvr>
-  <mc:AlternateContent xmlns:mc="http://schemas.openxmlformats.org/markup-compatibility/2006" xmlns:p14="http://schemas.microsoft.com/office/powerpoint/2010/main">
-    <mc:Choice Requires="p14">
+  <mc:AlternateContent xmlns:mc="http://schemas.openxmlformats.org/markup-compatibility/2006">
+    <mc:Choice xmlns:p14="http://schemas.microsoft.com/office/powerpoint/2010/main" Requires="p14">
       <p:transition spd="med" p14:dur="700">
         <p:fade/>
       </p:transition>
     </mc:Choice>
-    <mc:Fallback xmlns="">
+    <mc:Fallback>
       <p:transition spd="med">
         <p:fade/>
       </p:transition>
@@ -5234,7 +5317,7 @@
           <p:nvPr/>
         </p:nvPicPr>
         <p:blipFill>
-          <a:blip r:embed="rId2"/>
+          <a:blip r:embed="rId1"/>
           <a:stretch>
             <a:fillRect/>
           </a:stretch>
@@ -5258,7 +5341,7 @@
           <p:nvPr/>
         </p:nvPicPr>
         <p:blipFill>
-          <a:blip r:embed="rId3"/>
+          <a:blip r:embed="rId2"/>
           <a:stretch>
             <a:fillRect/>
           </a:stretch>
@@ -5282,7 +5365,7 @@
           <p:nvPr/>
         </p:nvPicPr>
         <p:blipFill>
-          <a:blip r:embed="rId4"/>
+          <a:blip r:embed="rId3"/>
           <a:stretch>
             <a:fillRect/>
           </a:stretch>
@@ -5306,7 +5389,7 @@
           <p:nvPr/>
         </p:nvPicPr>
         <p:blipFill rotWithShape="1">
-          <a:blip r:embed="rId4"/>
+          <a:blip r:embed="rId3"/>
           <a:srcRect l="13807"/>
           <a:stretch>
             <a:fillRect/>
@@ -5331,7 +5414,7 @@
           <p:nvPr/>
         </p:nvPicPr>
         <p:blipFill rotWithShape="1">
-          <a:blip r:embed="rId4"/>
+          <a:blip r:embed="rId3"/>
           <a:srcRect l="11337" r="31759"/>
           <a:stretch>
             <a:fillRect/>
@@ -5356,7 +5439,7 @@
           <p:nvPr/>
         </p:nvPicPr>
         <p:blipFill>
-          <a:blip r:embed="rId5"/>
+          <a:blip r:embed="rId4"/>
           <a:stretch>
             <a:fillRect/>
           </a:stretch>
@@ -5373,20 +5456,14 @@
       </p:pic>
       <p:pic>
         <p:nvPicPr>
-          <p:cNvPr id="24" name="图片 23">
-            <a:extLst>
-              <a:ext uri="{FF2B5EF4-FFF2-40B4-BE49-F238E27FC236}">
-                <a16:creationId xmlns:a16="http://schemas.microsoft.com/office/drawing/2014/main" id="{491FB978-B2A0-C830-D2C6-1AE9E39DF262}"/>
-              </a:ext>
-            </a:extLst>
-          </p:cNvPr>
+          <p:cNvPr id="24" name="图片 23"/>
           <p:cNvPicPr>
             <a:picLocks noChangeAspect="1"/>
           </p:cNvPicPr>
           <p:nvPr/>
         </p:nvPicPr>
         <p:blipFill>
-          <a:blip r:embed="rId6" cstate="print">
+          <a:blip r:embed="rId5" cstate="print">
             <a:extLst>
               <a:ext uri="{28A0092B-C50C-407E-A947-70E740481C1C}">
                 <a14:useLocalDpi xmlns:a14="http://schemas.microsoft.com/office/drawing/2010/main" val="0"/>
@@ -5409,13 +5486,7 @@
       </p:pic>
       <p:sp>
         <p:nvSpPr>
-          <p:cNvPr id="25" name="矩形 24">
-            <a:extLst>
-              <a:ext uri="{FF2B5EF4-FFF2-40B4-BE49-F238E27FC236}">
-                <a16:creationId xmlns:a16="http://schemas.microsoft.com/office/drawing/2014/main" id="{2B815E3E-5B36-CA01-D55C-B82EA241C765}"/>
-              </a:ext>
-            </a:extLst>
-          </p:cNvPr>
+          <p:cNvPr id="25" name="矩形 24"/>
           <p:cNvSpPr/>
           <p:nvPr/>
         </p:nvSpPr>
@@ -5452,6 +5523,16 @@
               </a:rPr>
               <a:t>SplitFed-v1</a:t>
             </a:r>
+            <a:endParaRPr lang="en-US" altLang="zh-CN" sz="3200" dirty="0">
+              <a:effectLst>
+                <a:outerShdw blurRad="38100" dist="19050" dir="2700000" algn="tl" rotWithShape="0">
+                  <a:schemeClr val="dk1">
+                    <a:alpha val="40000"/>
+                    <a:alpha val="40000"/>
+                  </a:schemeClr>
+                </a:outerShdw>
+              </a:effectLst>
+            </a:endParaRPr>
           </a:p>
           <a:p>
             <a:pPr algn="ctr"/>
@@ -5481,6 +5562,16 @@
               </a:rPr>
               <a:t>SplitFed-v2</a:t>
             </a:r>
+            <a:endParaRPr lang="en-US" altLang="zh-CN" sz="3200" dirty="0">
+              <a:effectLst>
+                <a:outerShdw blurRad="38100" dist="19050" dir="2700000" algn="tl" rotWithShape="0">
+                  <a:schemeClr val="dk1">
+                    <a:alpha val="40000"/>
+                    <a:alpha val="40000"/>
+                  </a:schemeClr>
+                </a:outerShdw>
+              </a:effectLst>
+            </a:endParaRPr>
           </a:p>
           <a:p>
             <a:pPr algn="ctr"/>
@@ -5510,26 +5601,31 @@
               </a:rPr>
               <a:t>SplitFed-v3</a:t>
             </a:r>
+            <a:endParaRPr lang="en-US" altLang="zh-CN" sz="3200" dirty="0">
+              <a:effectLst>
+                <a:outerShdw blurRad="38100" dist="19050" dir="2700000" algn="tl" rotWithShape="0">
+                  <a:schemeClr val="dk1">
+                    <a:alpha val="40000"/>
+                    <a:alpha val="40000"/>
+                  </a:schemeClr>
+                </a:outerShdw>
+              </a:effectLst>
+            </a:endParaRPr>
           </a:p>
         </p:txBody>
       </p:sp>
     </p:spTree>
-    <p:extLst>
-      <p:ext uri="{BB962C8B-B14F-4D97-AF65-F5344CB8AC3E}">
-        <p14:creationId xmlns:p14="http://schemas.microsoft.com/office/powerpoint/2010/main" val="3381968558"/>
-      </p:ext>
-    </p:extLst>
   </p:cSld>
   <p:clrMapOvr>
     <a:masterClrMapping/>
   </p:clrMapOvr>
-  <mc:AlternateContent xmlns:mc="http://schemas.openxmlformats.org/markup-compatibility/2006" xmlns:p14="http://schemas.microsoft.com/office/powerpoint/2010/main">
-    <mc:Choice Requires="p14">
+  <mc:AlternateContent xmlns:mc="http://schemas.openxmlformats.org/markup-compatibility/2006">
+    <mc:Choice xmlns:p14="http://schemas.microsoft.com/office/powerpoint/2010/main" Requires="p14">
       <p:transition spd="med" p14:dur="700">
         <p:fade/>
       </p:transition>
     </mc:Choice>
-    <mc:Fallback xmlns="">
+    <mc:Fallback>
       <p:transition spd="med">
         <p:fade/>
       </p:transition>
@@ -5639,7 +5735,7 @@
           <p:nvPr/>
         </p:nvPicPr>
         <p:blipFill>
-          <a:blip r:embed="rId2"/>
+          <a:blip r:embed="rId1"/>
           <a:stretch>
             <a:fillRect/>
           </a:stretch>
@@ -5663,7 +5759,7 @@
           <p:nvPr/>
         </p:nvPicPr>
         <p:blipFill>
-          <a:blip r:embed="rId3"/>
+          <a:blip r:embed="rId2"/>
           <a:stretch>
             <a:fillRect/>
           </a:stretch>
@@ -5687,7 +5783,7 @@
           <p:nvPr/>
         </p:nvPicPr>
         <p:blipFill>
-          <a:blip r:embed="rId4"/>
+          <a:blip r:embed="rId3"/>
           <a:stretch>
             <a:fillRect/>
           </a:stretch>
@@ -5711,7 +5807,7 @@
           <p:nvPr/>
         </p:nvPicPr>
         <p:blipFill rotWithShape="1">
-          <a:blip r:embed="rId4"/>
+          <a:blip r:embed="rId3"/>
           <a:srcRect l="13807"/>
           <a:stretch>
             <a:fillRect/>
@@ -5736,7 +5832,7 @@
           <p:nvPr/>
         </p:nvPicPr>
         <p:blipFill rotWithShape="1">
-          <a:blip r:embed="rId4"/>
+          <a:blip r:embed="rId3"/>
           <a:srcRect l="11337" r="31759"/>
           <a:stretch>
             <a:fillRect/>
@@ -5761,7 +5857,7 @@
           <p:nvPr/>
         </p:nvPicPr>
         <p:blipFill>
-          <a:blip r:embed="rId5"/>
+          <a:blip r:embed="rId4"/>
           <a:stretch>
             <a:fillRect/>
           </a:stretch>
@@ -5818,6 +5914,19 @@
               </a:rPr>
               <a:t>Federated learning</a:t>
             </a:r>
+            <a:endParaRPr lang="en-US" altLang="zh-CN" sz="3200">
+              <a:solidFill>
+                <a:schemeClr val="tx1"/>
+              </a:solidFill>
+              <a:effectLst>
+                <a:outerShdw blurRad="38100" dist="19050" dir="2700000" algn="tl" rotWithShape="0">
+                  <a:schemeClr val="dk1">
+                    <a:alpha val="40000"/>
+                    <a:alpha val="40000"/>
+                  </a:schemeClr>
+                </a:outerShdw>
+              </a:effectLst>
+            </a:endParaRPr>
           </a:p>
         </p:txBody>
       </p:sp>
@@ -5863,6 +5972,19 @@
               </a:rPr>
               <a:t>SplitFed learning</a:t>
             </a:r>
+            <a:endParaRPr lang="en-US" altLang="zh-CN" sz="3200">
+              <a:solidFill>
+                <a:schemeClr val="tx1"/>
+              </a:solidFill>
+              <a:effectLst>
+                <a:outerShdw blurRad="38100" dist="19050" dir="2700000" algn="tl" rotWithShape="0">
+                  <a:schemeClr val="dk1">
+                    <a:alpha val="40000"/>
+                    <a:alpha val="40000"/>
+                  </a:schemeClr>
+                </a:outerShdw>
+              </a:effectLst>
+            </a:endParaRPr>
           </a:p>
         </p:txBody>
       </p:sp>
@@ -5908,6 +6030,19 @@
               </a:rPr>
               <a:t>non-IID=0</a:t>
             </a:r>
+            <a:endParaRPr lang="en-US" altLang="zh-CN" sz="3200" dirty="0">
+              <a:solidFill>
+                <a:schemeClr val="tx1"/>
+              </a:solidFill>
+              <a:effectLst>
+                <a:outerShdw blurRad="38100" dist="19050" dir="2700000" algn="tl" rotWithShape="0">
+                  <a:schemeClr val="dk1">
+                    <a:alpha val="40000"/>
+                    <a:alpha val="40000"/>
+                  </a:schemeClr>
+                </a:outerShdw>
+              </a:effectLst>
+            </a:endParaRPr>
           </a:p>
         </p:txBody>
       </p:sp>
@@ -5953,6 +6088,19 @@
               </a:rPr>
               <a:t>non-IID=0.5</a:t>
             </a:r>
+            <a:endParaRPr lang="en-US" altLang="zh-CN" sz="3200">
+              <a:solidFill>
+                <a:schemeClr val="tx1"/>
+              </a:solidFill>
+              <a:effectLst>
+                <a:outerShdw blurRad="38100" dist="19050" dir="2700000" algn="tl" rotWithShape="0">
+                  <a:schemeClr val="dk1">
+                    <a:alpha val="40000"/>
+                    <a:alpha val="40000"/>
+                  </a:schemeClr>
+                </a:outerShdw>
+              </a:effectLst>
+            </a:endParaRPr>
           </a:p>
         </p:txBody>
       </p:sp>
@@ -5998,6 +6146,19 @@
               </a:rPr>
               <a:t>non-IID=0.9</a:t>
             </a:r>
+            <a:endParaRPr lang="en-US" altLang="zh-CN" sz="3200">
+              <a:solidFill>
+                <a:schemeClr val="tx1"/>
+              </a:solidFill>
+              <a:effectLst>
+                <a:outerShdw blurRad="38100" dist="19050" dir="2700000" algn="tl" rotWithShape="0">
+                  <a:schemeClr val="dk1">
+                    <a:alpha val="40000"/>
+                    <a:alpha val="40000"/>
+                  </a:schemeClr>
+                </a:outerShdw>
+              </a:effectLst>
+            </a:endParaRPr>
           </a:p>
         </p:txBody>
       </p:sp>
@@ -6043,6 +6204,19 @@
               </a:rPr>
               <a:t>non-IID=0.95</a:t>
             </a:r>
+            <a:endParaRPr lang="en-US" altLang="zh-CN" sz="3200">
+              <a:solidFill>
+                <a:schemeClr val="tx1"/>
+              </a:solidFill>
+              <a:effectLst>
+                <a:outerShdw blurRad="38100" dist="19050" dir="2700000" algn="tl" rotWithShape="0">
+                  <a:schemeClr val="dk1">
+                    <a:alpha val="40000"/>
+                    <a:alpha val="40000"/>
+                  </a:schemeClr>
+                </a:outerShdw>
+              </a:effectLst>
+            </a:endParaRPr>
           </a:p>
         </p:txBody>
       </p:sp>
@@ -6090,6 +6264,21 @@
               </a:rPr>
               <a:t>93.68%</a:t>
             </a:r>
+            <a:endParaRPr lang="en-US" altLang="zh-CN" sz="3200">
+              <a:solidFill>
+                <a:schemeClr val="tx1"/>
+              </a:solidFill>
+              <a:effectLst>
+                <a:outerShdw blurRad="38100" dist="19050" dir="2700000" algn="tl" rotWithShape="0">
+                  <a:schemeClr val="dk1">
+                    <a:alpha val="40000"/>
+                    <a:alpha val="40000"/>
+                  </a:schemeClr>
+                </a:outerShdw>
+              </a:effectLst>
+              <a:latin typeface="Times New Roman Regular" panose="02020603050405020304" charset="0"/>
+              <a:cs typeface="Times New Roman Regular" panose="02020603050405020304" charset="0"/>
+            </a:endParaRPr>
           </a:p>
         </p:txBody>
       </p:sp>
@@ -6137,6 +6326,21 @@
               </a:rPr>
               <a:t>94.01%</a:t>
             </a:r>
+            <a:endParaRPr lang="en-US" altLang="zh-CN" sz="3200">
+              <a:solidFill>
+                <a:schemeClr val="tx1"/>
+              </a:solidFill>
+              <a:effectLst>
+                <a:outerShdw blurRad="38100" dist="19050" dir="2700000" algn="tl" rotWithShape="0">
+                  <a:schemeClr val="dk1">
+                    <a:alpha val="40000"/>
+                    <a:alpha val="40000"/>
+                  </a:schemeClr>
+                </a:outerShdw>
+              </a:effectLst>
+              <a:latin typeface="Times New Roman Regular" panose="02020603050405020304" charset="0"/>
+              <a:cs typeface="Times New Roman Regular" panose="02020603050405020304" charset="0"/>
+            </a:endParaRPr>
           </a:p>
         </p:txBody>
       </p:sp>
@@ -6184,6 +6388,21 @@
               </a:rPr>
               <a:t>93.18%</a:t>
             </a:r>
+            <a:endParaRPr lang="en-US" altLang="zh-CN" sz="3200">
+              <a:solidFill>
+                <a:schemeClr val="tx1"/>
+              </a:solidFill>
+              <a:effectLst>
+                <a:outerShdw blurRad="38100" dist="19050" dir="2700000" algn="tl" rotWithShape="0">
+                  <a:schemeClr val="dk1">
+                    <a:alpha val="40000"/>
+                    <a:alpha val="40000"/>
+                  </a:schemeClr>
+                </a:outerShdw>
+              </a:effectLst>
+              <a:latin typeface="Times New Roman Regular" panose="02020603050405020304" charset="0"/>
+              <a:cs typeface="Times New Roman Regular" panose="02020603050405020304" charset="0"/>
+            </a:endParaRPr>
           </a:p>
         </p:txBody>
       </p:sp>
@@ -6231,6 +6450,21 @@
               </a:rPr>
               <a:t>87.20%</a:t>
             </a:r>
+            <a:endParaRPr lang="en-US" altLang="zh-CN" sz="3200">
+              <a:solidFill>
+                <a:schemeClr val="tx1"/>
+              </a:solidFill>
+              <a:effectLst>
+                <a:outerShdw blurRad="38100" dist="19050" dir="2700000" algn="tl" rotWithShape="0">
+                  <a:schemeClr val="dk1">
+                    <a:alpha val="40000"/>
+                    <a:alpha val="40000"/>
+                  </a:schemeClr>
+                </a:outerShdw>
+              </a:effectLst>
+              <a:latin typeface="Times New Roman Regular" panose="02020603050405020304" charset="0"/>
+              <a:cs typeface="Times New Roman Regular" panose="02020603050405020304" charset="0"/>
+            </a:endParaRPr>
           </a:p>
         </p:txBody>
       </p:sp>
@@ -6278,6 +6512,21 @@
               </a:rPr>
               <a:t>83.31%</a:t>
             </a:r>
+            <a:endParaRPr lang="en-US" altLang="zh-CN" sz="3200">
+              <a:solidFill>
+                <a:schemeClr val="tx1"/>
+              </a:solidFill>
+              <a:effectLst>
+                <a:outerShdw blurRad="38100" dist="19050" dir="2700000" algn="tl" rotWithShape="0">
+                  <a:schemeClr val="dk1">
+                    <a:alpha val="40000"/>
+                    <a:alpha val="40000"/>
+                  </a:schemeClr>
+                </a:outerShdw>
+              </a:effectLst>
+              <a:latin typeface="Times New Roman Regular" panose="02020603050405020304" charset="0"/>
+              <a:cs typeface="Times New Roman Regular" panose="02020603050405020304" charset="0"/>
+            </a:endParaRPr>
           </a:p>
         </p:txBody>
       </p:sp>
@@ -6325,6 +6574,21 @@
               </a:rPr>
               <a:t>93.46%</a:t>
             </a:r>
+            <a:endParaRPr lang="en-US" altLang="zh-CN" sz="3200">
+              <a:solidFill>
+                <a:schemeClr val="tx1"/>
+              </a:solidFill>
+              <a:effectLst>
+                <a:outerShdw blurRad="38100" dist="19050" dir="2700000" algn="tl" rotWithShape="0">
+                  <a:schemeClr val="dk1">
+                    <a:alpha val="40000"/>
+                    <a:alpha val="40000"/>
+                  </a:schemeClr>
+                </a:outerShdw>
+              </a:effectLst>
+              <a:latin typeface="Times New Roman Regular" panose="02020603050405020304" charset="0"/>
+              <a:cs typeface="Times New Roman Regular" panose="02020603050405020304" charset="0"/>
+            </a:endParaRPr>
           </a:p>
         </p:txBody>
       </p:sp>
@@ -6372,6 +6636,21 @@
               </a:rPr>
               <a:t>87.00%</a:t>
             </a:r>
+            <a:endParaRPr lang="en-US" altLang="zh-CN" sz="3200">
+              <a:solidFill>
+                <a:schemeClr val="tx1"/>
+              </a:solidFill>
+              <a:effectLst>
+                <a:outerShdw blurRad="38100" dist="19050" dir="2700000" algn="tl" rotWithShape="0">
+                  <a:schemeClr val="dk1">
+                    <a:alpha val="40000"/>
+                    <a:alpha val="40000"/>
+                  </a:schemeClr>
+                </a:outerShdw>
+              </a:effectLst>
+              <a:latin typeface="Times New Roman Regular" panose="02020603050405020304" charset="0"/>
+              <a:cs typeface="Times New Roman Regular" panose="02020603050405020304" charset="0"/>
+            </a:endParaRPr>
           </a:p>
         </p:txBody>
       </p:sp>
@@ -6419,6 +6698,21 @@
               </a:rPr>
               <a:t>81.52%</a:t>
             </a:r>
+            <a:endParaRPr lang="en-US" altLang="zh-CN" sz="3200">
+              <a:solidFill>
+                <a:schemeClr val="tx1"/>
+              </a:solidFill>
+              <a:effectLst>
+                <a:outerShdw blurRad="38100" dist="19050" dir="2700000" algn="tl" rotWithShape="0">
+                  <a:schemeClr val="dk1">
+                    <a:alpha val="40000"/>
+                    <a:alpha val="40000"/>
+                  </a:schemeClr>
+                </a:outerShdw>
+              </a:effectLst>
+              <a:latin typeface="Times New Roman Regular" panose="02020603050405020304" charset="0"/>
+              <a:cs typeface="Times New Roman Regular" panose="02020603050405020304" charset="0"/>
+            </a:endParaRPr>
           </a:p>
         </p:txBody>
       </p:sp>
@@ -6427,13 +6721,13 @@
   <p:clrMapOvr>
     <a:masterClrMapping/>
   </p:clrMapOvr>
-  <mc:AlternateContent xmlns:mc="http://schemas.openxmlformats.org/markup-compatibility/2006" xmlns:p14="http://schemas.microsoft.com/office/powerpoint/2010/main">
-    <mc:Choice Requires="p14">
+  <mc:AlternateContent xmlns:mc="http://schemas.openxmlformats.org/markup-compatibility/2006">
+    <mc:Choice xmlns:p14="http://schemas.microsoft.com/office/powerpoint/2010/main" Requires="p14">
       <p:transition spd="med" p14:dur="700">
         <p:fade/>
       </p:transition>
     </mc:Choice>
-    <mc:Fallback xmlns="">
+    <mc:Fallback>
       <p:transition spd="med">
         <p:fade/>
       </p:transition>
@@ -6471,6 +6765,476 @@
         </p:nvSpPr>
         <p:spPr>
           <a:xfrm>
+            <a:off x="705485" y="396240"/>
+            <a:ext cx="9144000" cy="757555"/>
+          </a:xfrm>
+        </p:spPr>
+        <p:txBody>
+          <a:bodyPr>
+            <a:normAutofit fontScale="90000"/>
+          </a:bodyPr>
+          <a:lstStyle/>
+          <a:p>
+            <a:pPr algn="l">
+              <a:lnSpc>
+                <a:spcPct val="200000"/>
+              </a:lnSpc>
+            </a:pPr>
+            <a:r>
+              <a:rPr lang="zh-CN" altLang="en-US" sz="3200" b="1" dirty="0">
+                <a:latin typeface="微软雅黑" panose="020B0503020204020204" pitchFamily="34" charset="-122"/>
+                <a:ea typeface="微软雅黑" panose="020B0503020204020204" pitchFamily="34" charset="-122"/>
+                <a:sym typeface="+mn-ea"/>
+              </a:rPr>
+              <a:t>Solution </a:t>
+            </a:r>
+            <a:r>
+              <a:rPr lang="en-US" altLang="zh-CN" sz="3200" b="1" dirty="0">
+                <a:latin typeface="微软雅黑" panose="020B0503020204020204" pitchFamily="34" charset="-122"/>
+                <a:ea typeface="微软雅黑" panose="020B0503020204020204" pitchFamily="34" charset="-122"/>
+                <a:sym typeface="+mn-ea"/>
+              </a:rPr>
+              <a:t>F</a:t>
+            </a:r>
+            <a:r>
+              <a:rPr lang="zh-CN" altLang="en-US" sz="3200" b="1" dirty="0">
+                <a:latin typeface="微软雅黑" panose="020B0503020204020204" pitchFamily="34" charset="-122"/>
+                <a:ea typeface="微软雅黑" panose="020B0503020204020204" pitchFamily="34" charset="-122"/>
+                <a:sym typeface="+mn-ea"/>
+              </a:rPr>
+              <a:t>easibility </a:t>
+            </a:r>
+            <a:r>
+              <a:rPr lang="en-US" altLang="zh-CN" sz="3200" b="1" dirty="0">
+                <a:latin typeface="微软雅黑" panose="020B0503020204020204" pitchFamily="34" charset="-122"/>
+                <a:ea typeface="微软雅黑" panose="020B0503020204020204" pitchFamily="34" charset="-122"/>
+                <a:sym typeface="+mn-ea"/>
+              </a:rPr>
+              <a:t>A</a:t>
+            </a:r>
+            <a:r>
+              <a:rPr lang="zh-CN" altLang="en-US" sz="3200" b="1" dirty="0">
+                <a:latin typeface="微软雅黑" panose="020B0503020204020204" pitchFamily="34" charset="-122"/>
+                <a:ea typeface="微软雅黑" panose="020B0503020204020204" pitchFamily="34" charset="-122"/>
+                <a:sym typeface="+mn-ea"/>
+              </a:rPr>
+              <a:t>nalysis</a:t>
+            </a:r>
+            <a:endParaRPr lang="en-US" sz="3200" b="1" dirty="0">
+              <a:latin typeface="微软雅黑" panose="020B0503020204020204" pitchFamily="34" charset="-122"/>
+              <a:ea typeface="微软雅黑" panose="020B0503020204020204" pitchFamily="34" charset="-122"/>
+              <a:sym typeface="+mn-ea"/>
+            </a:endParaRPr>
+          </a:p>
+        </p:txBody>
+      </p:sp>
+      <p:pic>
+        <p:nvPicPr>
+          <p:cNvPr id="3" name="图片 2"/>
+          <p:cNvPicPr>
+            <a:picLocks noChangeAspect="1"/>
+          </p:cNvPicPr>
+          <p:nvPr/>
+        </p:nvPicPr>
+        <p:blipFill>
+          <a:blip r:embed="rId1"/>
+          <a:stretch>
+            <a:fillRect/>
+          </a:stretch>
+        </p:blipFill>
+        <p:spPr>
+          <a:xfrm>
+            <a:off x="13252" y="4907605"/>
+            <a:ext cx="12192000" cy="1980925"/>
+          </a:xfrm>
+          <a:prstGeom prst="rect">
+            <a:avLst/>
+          </a:prstGeom>
+        </p:spPr>
+      </p:pic>
+      <p:pic>
+        <p:nvPicPr>
+          <p:cNvPr id="8" name="图片 7"/>
+          <p:cNvPicPr>
+            <a:picLocks noChangeAspect="1"/>
+          </p:cNvPicPr>
+          <p:nvPr/>
+        </p:nvPicPr>
+        <p:blipFill>
+          <a:blip r:embed="rId2"/>
+          <a:stretch>
+            <a:fillRect/>
+          </a:stretch>
+        </p:blipFill>
+        <p:spPr>
+          <a:xfrm>
+            <a:off x="439676" y="307638"/>
+            <a:ext cx="265554" cy="934751"/>
+          </a:xfrm>
+          <a:prstGeom prst="rect">
+            <a:avLst/>
+          </a:prstGeom>
+        </p:spPr>
+      </p:pic>
+      <p:pic>
+        <p:nvPicPr>
+          <p:cNvPr id="9" name="图片 8"/>
+          <p:cNvPicPr>
+            <a:picLocks noChangeAspect="1"/>
+          </p:cNvPicPr>
+          <p:nvPr/>
+        </p:nvPicPr>
+        <p:blipFill>
+          <a:blip r:embed="rId3"/>
+          <a:stretch>
+            <a:fillRect/>
+          </a:stretch>
+        </p:blipFill>
+        <p:spPr>
+          <a:xfrm>
+            <a:off x="-22104" y="5391540"/>
+            <a:ext cx="5018936" cy="1334540"/>
+          </a:xfrm>
+          <a:prstGeom prst="rect">
+            <a:avLst/>
+          </a:prstGeom>
+        </p:spPr>
+      </p:pic>
+      <p:pic>
+        <p:nvPicPr>
+          <p:cNvPr id="7" name="图片 6"/>
+          <p:cNvPicPr>
+            <a:picLocks noChangeAspect="1"/>
+          </p:cNvPicPr>
+          <p:nvPr/>
+        </p:nvPicPr>
+        <p:blipFill rotWithShape="1">
+          <a:blip r:embed="rId3"/>
+          <a:srcRect l="13807"/>
+          <a:stretch>
+            <a:fillRect/>
+          </a:stretch>
+        </p:blipFill>
+        <p:spPr>
+          <a:xfrm>
+            <a:off x="4996832" y="5391540"/>
+            <a:ext cx="4325964" cy="1334540"/>
+          </a:xfrm>
+          <a:prstGeom prst="rect">
+            <a:avLst/>
+          </a:prstGeom>
+        </p:spPr>
+      </p:pic>
+      <p:pic>
+        <p:nvPicPr>
+          <p:cNvPr id="10" name="图片 9"/>
+          <p:cNvPicPr>
+            <a:picLocks noChangeAspect="1"/>
+          </p:cNvPicPr>
+          <p:nvPr/>
+        </p:nvPicPr>
+        <p:blipFill rotWithShape="1">
+          <a:blip r:embed="rId3"/>
+          <a:srcRect l="11337" r="31759"/>
+          <a:stretch>
+            <a:fillRect/>
+          </a:stretch>
+        </p:blipFill>
+        <p:spPr>
+          <a:xfrm flipH="1">
+            <a:off x="9322796" y="5391540"/>
+            <a:ext cx="2855952" cy="1334540"/>
+          </a:xfrm>
+          <a:prstGeom prst="rect">
+            <a:avLst/>
+          </a:prstGeom>
+        </p:spPr>
+      </p:pic>
+      <p:pic>
+        <p:nvPicPr>
+          <p:cNvPr id="5" name="图片 4"/>
+          <p:cNvPicPr>
+            <a:picLocks noChangeAspect="1"/>
+          </p:cNvPicPr>
+          <p:nvPr/>
+        </p:nvPicPr>
+        <p:blipFill>
+          <a:blip r:embed="rId4"/>
+          <a:stretch>
+            <a:fillRect/>
+          </a:stretch>
+        </p:blipFill>
+        <p:spPr>
+          <a:xfrm>
+            <a:off x="9515388" y="485139"/>
+            <a:ext cx="2358781" cy="579748"/>
+          </a:xfrm>
+          <a:prstGeom prst="rect">
+            <a:avLst/>
+          </a:prstGeom>
+        </p:spPr>
+      </p:pic>
+      <p:pic>
+        <p:nvPicPr>
+          <p:cNvPr id="23" name="图片 22"/>
+          <p:cNvPicPr>
+            <a:picLocks noChangeAspect="1"/>
+          </p:cNvPicPr>
+          <p:nvPr/>
+        </p:nvPicPr>
+        <p:blipFill>
+          <a:blip r:embed="rId5"/>
+          <a:stretch>
+            <a:fillRect/>
+          </a:stretch>
+        </p:blipFill>
+        <p:spPr>
+          <a:xfrm>
+            <a:off x="1707515" y="1153795"/>
+            <a:ext cx="2698750" cy="2248535"/>
+          </a:xfrm>
+          <a:prstGeom prst="rect">
+            <a:avLst/>
+          </a:prstGeom>
+        </p:spPr>
+      </p:pic>
+      <p:pic>
+        <p:nvPicPr>
+          <p:cNvPr id="24" name="图片 23"/>
+          <p:cNvPicPr>
+            <a:picLocks noChangeAspect="1"/>
+          </p:cNvPicPr>
+          <p:nvPr/>
+        </p:nvPicPr>
+        <p:blipFill>
+          <a:blip r:embed="rId6"/>
+          <a:stretch>
+            <a:fillRect/>
+          </a:stretch>
+        </p:blipFill>
+        <p:spPr>
+          <a:xfrm>
+            <a:off x="6301105" y="1153795"/>
+            <a:ext cx="2698115" cy="2248535"/>
+          </a:xfrm>
+          <a:prstGeom prst="rect">
+            <a:avLst/>
+          </a:prstGeom>
+        </p:spPr>
+      </p:pic>
+      <p:pic>
+        <p:nvPicPr>
+          <p:cNvPr id="25" name="图片 24"/>
+          <p:cNvPicPr>
+            <a:picLocks noChangeAspect="1"/>
+          </p:cNvPicPr>
+          <p:nvPr/>
+        </p:nvPicPr>
+        <p:blipFill>
+          <a:blip r:embed="rId7"/>
+          <a:stretch>
+            <a:fillRect/>
+          </a:stretch>
+        </p:blipFill>
+        <p:spPr>
+          <a:xfrm>
+            <a:off x="1707515" y="3614420"/>
+            <a:ext cx="2696845" cy="2247900"/>
+          </a:xfrm>
+          <a:prstGeom prst="rect">
+            <a:avLst/>
+          </a:prstGeom>
+        </p:spPr>
+      </p:pic>
+      <p:pic>
+        <p:nvPicPr>
+          <p:cNvPr id="26" name="图片 25"/>
+          <p:cNvPicPr>
+            <a:picLocks noChangeAspect="1"/>
+          </p:cNvPicPr>
+          <p:nvPr/>
+        </p:nvPicPr>
+        <p:blipFill>
+          <a:blip r:embed="rId8"/>
+          <a:stretch>
+            <a:fillRect/>
+          </a:stretch>
+        </p:blipFill>
+        <p:spPr>
+          <a:xfrm>
+            <a:off x="6301105" y="3614420"/>
+            <a:ext cx="2698115" cy="2248535"/>
+          </a:xfrm>
+          <a:prstGeom prst="rect">
+            <a:avLst/>
+          </a:prstGeom>
+        </p:spPr>
+      </p:pic>
+      <p:sp>
+        <p:nvSpPr>
+          <p:cNvPr id="27" name="文本框 26"/>
+          <p:cNvSpPr txBox="1"/>
+          <p:nvPr/>
+        </p:nvSpPr>
+        <p:spPr>
+          <a:xfrm>
+            <a:off x="2645410" y="3504565"/>
+            <a:ext cx="1412240" cy="368300"/>
+          </a:xfrm>
+          <a:prstGeom prst="rect">
+            <a:avLst/>
+          </a:prstGeom>
+          <a:noFill/>
+        </p:spPr>
+        <p:txBody>
+          <a:bodyPr wrap="none" rtlCol="0">
+            <a:spAutoFit/>
+          </a:bodyPr>
+          <a:p>
+            <a:r>
+              <a:rPr lang="en-US" altLang="zh-CN"/>
+              <a:t>non-IID=0.9</a:t>
+            </a:r>
+            <a:endParaRPr lang="en-US" altLang="zh-CN"/>
+          </a:p>
+        </p:txBody>
+      </p:sp>
+      <p:sp>
+        <p:nvSpPr>
+          <p:cNvPr id="28" name="文本框 27"/>
+          <p:cNvSpPr txBox="1"/>
+          <p:nvPr/>
+        </p:nvSpPr>
+        <p:spPr>
+          <a:xfrm>
+            <a:off x="7263765" y="3470910"/>
+            <a:ext cx="1526540" cy="368300"/>
+          </a:xfrm>
+          <a:prstGeom prst="rect">
+            <a:avLst/>
+          </a:prstGeom>
+          <a:noFill/>
+        </p:spPr>
+        <p:txBody>
+          <a:bodyPr wrap="none" rtlCol="0">
+            <a:spAutoFit/>
+          </a:bodyPr>
+          <a:p>
+            <a:r>
+              <a:rPr lang="en-US" altLang="zh-CN"/>
+              <a:t>non-IID=0.95</a:t>
+            </a:r>
+            <a:endParaRPr lang="en-US" altLang="zh-CN"/>
+          </a:p>
+        </p:txBody>
+      </p:sp>
+      <p:sp>
+        <p:nvSpPr>
+          <p:cNvPr id="29" name="文本框 28"/>
+          <p:cNvSpPr txBox="1"/>
+          <p:nvPr/>
+        </p:nvSpPr>
+        <p:spPr>
+          <a:xfrm>
+            <a:off x="2465070" y="1064895"/>
+            <a:ext cx="1183640" cy="368300"/>
+          </a:xfrm>
+          <a:prstGeom prst="rect">
+            <a:avLst/>
+          </a:prstGeom>
+          <a:noFill/>
+        </p:spPr>
+        <p:txBody>
+          <a:bodyPr wrap="none" rtlCol="0">
+            <a:spAutoFit/>
+          </a:bodyPr>
+          <a:p>
+            <a:r>
+              <a:rPr lang="en-US" altLang="zh-CN"/>
+              <a:t>non-IID=0</a:t>
+            </a:r>
+            <a:endParaRPr lang="en-US" altLang="zh-CN"/>
+          </a:p>
+        </p:txBody>
+      </p:sp>
+      <p:sp>
+        <p:nvSpPr>
+          <p:cNvPr id="30" name="文本框 29"/>
+          <p:cNvSpPr txBox="1"/>
+          <p:nvPr/>
+        </p:nvSpPr>
+        <p:spPr>
+          <a:xfrm>
+            <a:off x="7263765" y="1064895"/>
+            <a:ext cx="1412240" cy="368300"/>
+          </a:xfrm>
+          <a:prstGeom prst="rect">
+            <a:avLst/>
+          </a:prstGeom>
+          <a:noFill/>
+        </p:spPr>
+        <p:txBody>
+          <a:bodyPr wrap="none" rtlCol="0">
+            <a:spAutoFit/>
+          </a:bodyPr>
+          <a:p>
+            <a:r>
+              <a:rPr lang="en-US" altLang="zh-CN"/>
+              <a:t>non-IID=0.5</a:t>
+            </a:r>
+            <a:endParaRPr lang="en-US" altLang="zh-CN"/>
+          </a:p>
+        </p:txBody>
+      </p:sp>
+    </p:spTree>
+  </p:cSld>
+  <p:clrMapOvr>
+    <a:masterClrMapping/>
+  </p:clrMapOvr>
+  <mc:AlternateContent xmlns:mc="http://schemas.openxmlformats.org/markup-compatibility/2006">
+    <mc:Choice xmlns:p14="http://schemas.microsoft.com/office/powerpoint/2010/main" Requires="p14">
+      <p:transition spd="med" p14:dur="700">
+        <p:fade/>
+      </p:transition>
+    </mc:Choice>
+    <mc:Fallback>
+      <p:transition spd="med">
+        <p:fade/>
+      </p:transition>
+    </mc:Fallback>
+  </mc:AlternateContent>
+</p:sld>
+</file>
+
+<file path=ppt/slides/slide18.xml><?xml version="1.0" encoding="utf-8"?>
+<p:sld xmlns:a="http://schemas.openxmlformats.org/drawingml/2006/main" xmlns:r="http://schemas.openxmlformats.org/officeDocument/2006/relationships" xmlns:p="http://schemas.openxmlformats.org/presentationml/2006/main">
+  <p:cSld>
+    <p:spTree>
+      <p:nvGrpSpPr>
+        <p:cNvPr id="1" name=""/>
+        <p:cNvGrpSpPr/>
+        <p:nvPr/>
+      </p:nvGrpSpPr>
+      <p:grpSpPr>
+        <a:xfrm>
+          <a:off x="0" y="0"/>
+          <a:ext cx="0" cy="0"/>
+          <a:chOff x="0" y="0"/>
+          <a:chExt cx="0" cy="0"/>
+        </a:xfrm>
+      </p:grpSpPr>
+      <p:sp>
+        <p:nvSpPr>
+          <p:cNvPr id="2" name="标题 1"/>
+          <p:cNvSpPr>
+            <a:spLocks noGrp="1"/>
+          </p:cNvSpPr>
+          <p:nvPr>
+            <p:ph type="ctrTitle"/>
+          </p:nvPr>
+        </p:nvSpPr>
+        <p:spPr>
+          <a:xfrm>
             <a:off x="3133468" y="2414850"/>
             <a:ext cx="5925064" cy="841191"/>
           </a:xfrm>
@@ -6504,7 +7268,7 @@
           <p:nvPr/>
         </p:nvPicPr>
         <p:blipFill>
-          <a:blip r:embed="rId2"/>
+          <a:blip r:embed="rId1"/>
           <a:stretch>
             <a:fillRect/>
           </a:stretch>
@@ -6528,7 +7292,7 @@
           <p:nvPr/>
         </p:nvPicPr>
         <p:blipFill>
-          <a:blip r:embed="rId3"/>
+          <a:blip r:embed="rId2"/>
           <a:stretch>
             <a:fillRect/>
           </a:stretch>
@@ -6552,7 +7316,7 @@
           <p:nvPr/>
         </p:nvPicPr>
         <p:blipFill rotWithShape="1">
-          <a:blip r:embed="rId3"/>
+          <a:blip r:embed="rId2"/>
           <a:srcRect l="13807"/>
           <a:stretch>
             <a:fillRect/>
@@ -6577,7 +7341,7 @@
           <p:nvPr/>
         </p:nvPicPr>
         <p:blipFill rotWithShape="1">
-          <a:blip r:embed="rId3"/>
+          <a:blip r:embed="rId2"/>
           <a:srcRect l="11337" r="31759"/>
           <a:stretch>
             <a:fillRect/>
@@ -6602,7 +7366,7 @@
           <p:nvPr/>
         </p:nvPicPr>
         <p:blipFill>
-          <a:blip r:embed="rId4"/>
+          <a:blip r:embed="rId3"/>
           <a:stretch>
             <a:fillRect/>
           </a:stretch>
@@ -6626,7 +7390,7 @@
           <p:nvPr/>
         </p:nvPicPr>
         <p:blipFill rotWithShape="1">
-          <a:blip r:embed="rId2"/>
+          <a:blip r:embed="rId1"/>
           <a:srcRect t="88348" r="72886"/>
           <a:stretch>
             <a:fillRect/>
@@ -6693,13 +7457,13 @@
   <p:clrMapOvr>
     <a:masterClrMapping/>
   </p:clrMapOvr>
-  <mc:AlternateContent xmlns:mc="http://schemas.openxmlformats.org/markup-compatibility/2006" xmlns:p14="http://schemas.microsoft.com/office/powerpoint/2010/main">
-    <mc:Choice Requires="p14">
+  <mc:AlternateContent xmlns:mc="http://schemas.openxmlformats.org/markup-compatibility/2006">
+    <mc:Choice xmlns:p14="http://schemas.microsoft.com/office/powerpoint/2010/main" Requires="p14">
       <p:transition spd="med" p14:dur="700">
         <p:fade/>
       </p:transition>
     </mc:Choice>
-    <mc:Fallback xmlns="">
+    <mc:Fallback>
       <p:transition spd="med">
         <p:fade/>
       </p:transition>
@@ -6800,12 +7564,41 @@
               </a:rPr>
               <a:t>aper</a:t>
             </a:r>
+            <a:endParaRPr sz="3200" b="1" dirty="0">
+              <a:latin typeface="微软雅黑" panose="020B0503020204020204" pitchFamily="34" charset="-122"/>
+              <a:ea typeface="微软雅黑" panose="020B0503020204020204" pitchFamily="34" charset="-122"/>
+              <a:sym typeface="+mn-ea"/>
+            </a:endParaRPr>
           </a:p>
         </p:txBody>
       </p:sp>
       <p:pic>
         <p:nvPicPr>
           <p:cNvPr id="3" name="图片 2"/>
+          <p:cNvPicPr>
+            <a:picLocks noChangeAspect="1"/>
+          </p:cNvPicPr>
+          <p:nvPr/>
+        </p:nvPicPr>
+        <p:blipFill>
+          <a:blip r:embed="rId1"/>
+          <a:stretch>
+            <a:fillRect/>
+          </a:stretch>
+        </p:blipFill>
+        <p:spPr>
+          <a:xfrm>
+            <a:off x="13252" y="4907605"/>
+            <a:ext cx="12192000" cy="1980925"/>
+          </a:xfrm>
+          <a:prstGeom prst="rect">
+            <a:avLst/>
+          </a:prstGeom>
+        </p:spPr>
+      </p:pic>
+      <p:pic>
+        <p:nvPicPr>
+          <p:cNvPr id="8" name="图片 7"/>
           <p:cNvPicPr>
             <a:picLocks noChangeAspect="1"/>
           </p:cNvPicPr>
@@ -6819,17 +7612,17 @@
         </p:blipFill>
         <p:spPr>
           <a:xfrm>
-            <a:off x="13252" y="4907605"/>
-            <a:ext cx="12192000" cy="1980925"/>
-          </a:xfrm>
-          <a:prstGeom prst="rect">
-            <a:avLst/>
-          </a:prstGeom>
-        </p:spPr>
-      </p:pic>
-      <p:pic>
-        <p:nvPicPr>
-          <p:cNvPr id="8" name="图片 7"/>
+            <a:off x="439676" y="307638"/>
+            <a:ext cx="265554" cy="934751"/>
+          </a:xfrm>
+          <a:prstGeom prst="rect">
+            <a:avLst/>
+          </a:prstGeom>
+        </p:spPr>
+      </p:pic>
+      <p:pic>
+        <p:nvPicPr>
+          <p:cNvPr id="9" name="图片 8"/>
           <p:cNvPicPr>
             <a:picLocks noChangeAspect="1"/>
           </p:cNvPicPr>
@@ -6843,30 +7636,6 @@
         </p:blipFill>
         <p:spPr>
           <a:xfrm>
-            <a:off x="439676" y="307638"/>
-            <a:ext cx="265554" cy="934751"/>
-          </a:xfrm>
-          <a:prstGeom prst="rect">
-            <a:avLst/>
-          </a:prstGeom>
-        </p:spPr>
-      </p:pic>
-      <p:pic>
-        <p:nvPicPr>
-          <p:cNvPr id="9" name="图片 8"/>
-          <p:cNvPicPr>
-            <a:picLocks noChangeAspect="1"/>
-          </p:cNvPicPr>
-          <p:nvPr/>
-        </p:nvPicPr>
-        <p:blipFill>
-          <a:blip r:embed="rId4"/>
-          <a:stretch>
-            <a:fillRect/>
-          </a:stretch>
-        </p:blipFill>
-        <p:spPr>
-          <a:xfrm>
             <a:off x="-22104" y="5391540"/>
             <a:ext cx="5018936" cy="1334540"/>
           </a:xfrm>
@@ -6884,7 +7653,7 @@
           <p:nvPr/>
         </p:nvPicPr>
         <p:blipFill rotWithShape="1">
-          <a:blip r:embed="rId4"/>
+          <a:blip r:embed="rId3"/>
           <a:srcRect l="13807"/>
           <a:stretch>
             <a:fillRect/>
@@ -6909,7 +7678,7 @@
           <p:nvPr/>
         </p:nvPicPr>
         <p:blipFill rotWithShape="1">
-          <a:blip r:embed="rId4"/>
+          <a:blip r:embed="rId3"/>
           <a:srcRect l="11337" r="31759"/>
           <a:stretch>
             <a:fillRect/>
@@ -6934,7 +7703,7 @@
           <p:nvPr/>
         </p:nvPicPr>
         <p:blipFill>
-          <a:blip r:embed="rId5"/>
+          <a:blip r:embed="rId4"/>
           <a:stretch>
             <a:fillRect/>
           </a:stretch>
@@ -6999,8 +7768,6 @@
               </a:rPr>
               <a:t>edge: A survey,” IEEE Communications Surveys &amp; Tutorials, 2023.</a:t>
             </a:r>
-          </a:p>
-          <a:p>
             <a:endParaRPr lang="zh-CN" altLang="en-US" dirty="0">
               <a:latin typeface="Times New Roman Regular" panose="02020603050405020304" charset="0"/>
               <a:cs typeface="Times New Roman Regular" panose="02020603050405020304" charset="0"/>
@@ -7013,120 +7780,60 @@
             </a:endParaRPr>
           </a:p>
           <a:p>
-            <a:r>
-              <a:rPr lang="en-US" altLang="zh-CN" dirty="0">
-                <a:latin typeface="Times New Roman Regular" panose="02020603050405020304" charset="0"/>
-                <a:cs typeface="Times New Roman Regular" panose="02020603050405020304" charset="0"/>
-              </a:rPr>
-              <a:t>[2]</a:t>
-            </a:r>
-            <a:r>
-              <a:rPr lang="zh-CN" altLang="en-US" dirty="0">
-                <a:latin typeface="Times New Roman Regular" panose="02020603050405020304" charset="0"/>
-                <a:cs typeface="Times New Roman Regular" panose="02020603050405020304" charset="0"/>
-              </a:rPr>
-              <a:t>“A survey on space-air</a:t>
-            </a:r>
-            <a:r>
-              <a:rPr lang="en-US" altLang="zh-CN" dirty="0">
-                <a:latin typeface="Times New Roman Regular" panose="02020603050405020304" charset="0"/>
-                <a:cs typeface="Times New Roman Regular" panose="02020603050405020304" charset="0"/>
-              </a:rPr>
-              <a:t>-</a:t>
-            </a:r>
-            <a:r>
-              <a:rPr lang="zh-CN" altLang="en-US" dirty="0">
-                <a:latin typeface="Times New Roman Regular" panose="02020603050405020304" charset="0"/>
-                <a:cs typeface="Times New Roman Regular" panose="02020603050405020304" charset="0"/>
-              </a:rPr>
-              <a:t>ground-sea integrated network security in 6g,” IEEE Communications</a:t>
-            </a:r>
-            <a:r>
-              <a:rPr lang="en-US" altLang="zh-CN" dirty="0">
-                <a:latin typeface="Times New Roman Regular" panose="02020603050405020304" charset="0"/>
-                <a:cs typeface="Times New Roman Regular" panose="02020603050405020304" charset="0"/>
-              </a:rPr>
-              <a:t> </a:t>
-            </a:r>
-            <a:r>
-              <a:rPr lang="zh-CN" altLang="en-US" dirty="0">
-                <a:latin typeface="Times New Roman Regular" panose="02020603050405020304" charset="0"/>
-                <a:cs typeface="Times New Roman Regular" panose="02020603050405020304" charset="0"/>
-              </a:rPr>
-              <a:t>Surveys &amp; Tutorials, vol. 24, no. 1, pp. 53–87, 2021.</a:t>
-            </a:r>
-          </a:p>
-          <a:p>
             <a:endParaRPr lang="zh-CN" altLang="en-US" dirty="0">
               <a:latin typeface="Times New Roman Regular" panose="02020603050405020304" charset="0"/>
               <a:cs typeface="Times New Roman Regular" panose="02020603050405020304" charset="0"/>
             </a:endParaRPr>
           </a:p>
           <a:p>
+            <a:r>
+              <a:rPr lang="en-US" altLang="zh-CN" dirty="0">
+                <a:latin typeface="Times New Roman Regular" panose="02020603050405020304" charset="0"/>
+                <a:cs typeface="Times New Roman Regular" panose="02020603050405020304" charset="0"/>
+              </a:rPr>
+              <a:t>[2]</a:t>
+            </a:r>
+            <a:r>
+              <a:rPr lang="zh-CN" altLang="en-US" dirty="0">
+                <a:latin typeface="Times New Roman Regular" panose="02020603050405020304" charset="0"/>
+                <a:cs typeface="Times New Roman Regular" panose="02020603050405020304" charset="0"/>
+              </a:rPr>
+              <a:t>“A survey on space-air</a:t>
+            </a:r>
+            <a:r>
+              <a:rPr lang="en-US" altLang="zh-CN" dirty="0">
+                <a:latin typeface="Times New Roman Regular" panose="02020603050405020304" charset="0"/>
+                <a:cs typeface="Times New Roman Regular" panose="02020603050405020304" charset="0"/>
+              </a:rPr>
+              <a:t>-</a:t>
+            </a:r>
+            <a:r>
+              <a:rPr lang="zh-CN" altLang="en-US" dirty="0">
+                <a:latin typeface="Times New Roman Regular" panose="02020603050405020304" charset="0"/>
+                <a:cs typeface="Times New Roman Regular" panose="02020603050405020304" charset="0"/>
+              </a:rPr>
+              <a:t>ground-sea integrated network security in 6g,” IEEE Communications</a:t>
+            </a:r>
+            <a:r>
+              <a:rPr lang="en-US" altLang="zh-CN" dirty="0">
+                <a:latin typeface="Times New Roman Regular" panose="02020603050405020304" charset="0"/>
+                <a:cs typeface="Times New Roman Regular" panose="02020603050405020304" charset="0"/>
+              </a:rPr>
+              <a:t> </a:t>
+            </a:r>
+            <a:r>
+              <a:rPr lang="zh-CN" altLang="en-US" dirty="0">
+                <a:latin typeface="Times New Roman Regular" panose="02020603050405020304" charset="0"/>
+                <a:cs typeface="Times New Roman Regular" panose="02020603050405020304" charset="0"/>
+              </a:rPr>
+              <a:t>Surveys &amp; Tutorials, vol. 24, no. 1, pp. 53–87, 2021.</a:t>
+            </a:r>
             <a:endParaRPr lang="zh-CN" altLang="en-US" dirty="0">
               <a:latin typeface="Times New Roman Regular" panose="02020603050405020304" charset="0"/>
               <a:cs typeface="Times New Roman Regular" panose="02020603050405020304" charset="0"/>
             </a:endParaRPr>
           </a:p>
           <a:p>
-            <a:r>
-              <a:rPr lang="en-US" altLang="zh-CN" dirty="0">
-                <a:latin typeface="Times New Roman Regular" panose="02020603050405020304" charset="0"/>
-                <a:cs typeface="Times New Roman Regular" panose="02020603050405020304" charset="0"/>
-              </a:rPr>
-              <a:t>[3]</a:t>
-            </a:r>
-            <a:r>
-              <a:rPr lang="zh-CN" altLang="en-US" dirty="0">
-                <a:latin typeface="Times New Roman Regular" panose="02020603050405020304" charset="0"/>
-                <a:cs typeface="Times New Roman Regular" panose="02020603050405020304" charset="0"/>
-              </a:rPr>
-              <a:t>“Fedcorr: Multi</a:t>
-            </a:r>
-            <a:r>
-              <a:rPr lang="en-US" altLang="zh-CN" dirty="0">
-                <a:latin typeface="Times New Roman Regular" panose="02020603050405020304" charset="0"/>
-                <a:cs typeface="Times New Roman Regular" panose="02020603050405020304" charset="0"/>
-              </a:rPr>
-              <a:t>-</a:t>
-            </a:r>
-            <a:r>
-              <a:rPr lang="zh-CN" altLang="en-US" dirty="0">
-                <a:latin typeface="Times New Roman Regular" panose="02020603050405020304" charset="0"/>
-                <a:cs typeface="Times New Roman Regular" panose="02020603050405020304" charset="0"/>
-              </a:rPr>
-              <a:t>stage federated learning for label noise correction,” in Proceedings of</a:t>
-            </a:r>
-            <a:r>
-              <a:rPr lang="en-US" altLang="zh-CN" dirty="0">
-                <a:latin typeface="Times New Roman Regular" panose="02020603050405020304" charset="0"/>
-                <a:cs typeface="Times New Roman Regular" panose="02020603050405020304" charset="0"/>
-              </a:rPr>
-              <a:t> </a:t>
-            </a:r>
-            <a:r>
-              <a:rPr lang="zh-CN" altLang="en-US" dirty="0">
-                <a:latin typeface="Times New Roman Regular" panose="02020603050405020304" charset="0"/>
-                <a:cs typeface="Times New Roman Regular" panose="02020603050405020304" charset="0"/>
-              </a:rPr>
-              <a:t>the IEEE/CVF Conference on Computer Vision and Pattern Recognition,</a:t>
-            </a:r>
-            <a:r>
-              <a:rPr lang="en-US" altLang="zh-CN" dirty="0">
-                <a:latin typeface="Times New Roman Regular" panose="02020603050405020304" charset="0"/>
-                <a:cs typeface="Times New Roman Regular" panose="02020603050405020304" charset="0"/>
-              </a:rPr>
-              <a:t> </a:t>
-            </a:r>
-            <a:r>
-              <a:rPr lang="zh-CN" altLang="en-US" dirty="0">
-                <a:latin typeface="Times New Roman Regular" panose="02020603050405020304" charset="0"/>
-                <a:cs typeface="Times New Roman Regular" panose="02020603050405020304" charset="0"/>
-              </a:rPr>
-              <a:t>pp. 10184–10193, 2022.</a:t>
-            </a:r>
-          </a:p>
-          <a:p>
             <a:endParaRPr lang="zh-CN" altLang="en-US" dirty="0">
               <a:latin typeface="Times New Roman Regular" panose="02020603050405020304" charset="0"/>
               <a:cs typeface="Times New Roman Regular" panose="02020603050405020304" charset="0"/>
@@ -7144,28 +7851,28 @@
                 <a:latin typeface="Times New Roman Regular" panose="02020603050405020304" charset="0"/>
                 <a:cs typeface="Times New Roman Regular" panose="02020603050405020304" charset="0"/>
               </a:rPr>
-              <a:t>[4]</a:t>
+              <a:t>[3]</a:t>
             </a:r>
             <a:r>
               <a:rPr lang="zh-CN" altLang="en-US" dirty="0">
                 <a:latin typeface="Times New Roman Regular" panose="02020603050405020304" charset="0"/>
                 <a:cs typeface="Times New Roman Regular" panose="02020603050405020304" charset="0"/>
               </a:rPr>
-              <a:t>“Splitfed: When</a:t>
+              <a:t>“Fedcorr: Multi</a:t>
             </a:r>
             <a:r>
               <a:rPr lang="en-US" altLang="zh-CN" dirty="0">
                 <a:latin typeface="Times New Roman Regular" panose="02020603050405020304" charset="0"/>
                 <a:cs typeface="Times New Roman Regular" panose="02020603050405020304" charset="0"/>
               </a:rPr>
-              <a:t> </a:t>
+              <a:t>-</a:t>
             </a:r>
             <a:r>
               <a:rPr lang="zh-CN" altLang="en-US" dirty="0">
                 <a:latin typeface="Times New Roman Regular" panose="02020603050405020304" charset="0"/>
                 <a:cs typeface="Times New Roman Regular" panose="02020603050405020304" charset="0"/>
               </a:rPr>
-              <a:t>federated learning meets split learning,” in Proceedings of the AAAI</a:t>
+              <a:t>stage federated learning for label noise correction,” in Proceedings of</a:t>
             </a:r>
             <a:r>
               <a:rPr lang="en-US" altLang="zh-CN" dirty="0">
@@ -7179,8 +7886,86 @@
                 <a:latin typeface="Times New Roman Regular" panose="02020603050405020304" charset="0"/>
                 <a:cs typeface="Times New Roman Regular" panose="02020603050405020304" charset="0"/>
               </a:rPr>
+              <a:t>the IEEE/CVF Conference on Computer Vision and Pattern Recognition,</a:t>
+            </a:r>
+            <a:r>
+              <a:rPr lang="en-US" altLang="zh-CN" dirty="0">
+                <a:latin typeface="Times New Roman Regular" panose="02020603050405020304" charset="0"/>
+                <a:cs typeface="Times New Roman Regular" panose="02020603050405020304" charset="0"/>
+              </a:rPr>
+              <a:t> </a:t>
+            </a:r>
+            <a:r>
+              <a:rPr lang="zh-CN" altLang="en-US" dirty="0">
+                <a:latin typeface="Times New Roman Regular" panose="02020603050405020304" charset="0"/>
+                <a:cs typeface="Times New Roman Regular" panose="02020603050405020304" charset="0"/>
+              </a:rPr>
+              <a:t>pp. 10184–10193, 2022.</a:t>
+            </a:r>
+            <a:endParaRPr lang="zh-CN" altLang="en-US" dirty="0">
+              <a:latin typeface="Times New Roman Regular" panose="02020603050405020304" charset="0"/>
+              <a:cs typeface="Times New Roman Regular" panose="02020603050405020304" charset="0"/>
+            </a:endParaRPr>
+          </a:p>
+          <a:p>
+            <a:endParaRPr lang="zh-CN" altLang="en-US" dirty="0">
+              <a:latin typeface="Times New Roman Regular" panose="02020603050405020304" charset="0"/>
+              <a:cs typeface="Times New Roman Regular" panose="02020603050405020304" charset="0"/>
+            </a:endParaRPr>
+          </a:p>
+          <a:p>
+            <a:endParaRPr lang="zh-CN" altLang="en-US" dirty="0">
+              <a:latin typeface="Times New Roman Regular" panose="02020603050405020304" charset="0"/>
+              <a:cs typeface="Times New Roman Regular" panose="02020603050405020304" charset="0"/>
+            </a:endParaRPr>
+          </a:p>
+          <a:p>
+            <a:r>
+              <a:rPr lang="en-US" altLang="zh-CN" dirty="0">
+                <a:latin typeface="Times New Roman Regular" panose="02020603050405020304" charset="0"/>
+                <a:cs typeface="Times New Roman Regular" panose="02020603050405020304" charset="0"/>
+              </a:rPr>
+              <a:t>[4]</a:t>
+            </a:r>
+            <a:r>
+              <a:rPr lang="zh-CN" altLang="en-US" dirty="0">
+                <a:latin typeface="Times New Roman Regular" panose="02020603050405020304" charset="0"/>
+                <a:cs typeface="Times New Roman Regular" panose="02020603050405020304" charset="0"/>
+              </a:rPr>
+              <a:t>“Splitfed: When</a:t>
+            </a:r>
+            <a:r>
+              <a:rPr lang="en-US" altLang="zh-CN" dirty="0">
+                <a:latin typeface="Times New Roman Regular" panose="02020603050405020304" charset="0"/>
+                <a:cs typeface="Times New Roman Regular" panose="02020603050405020304" charset="0"/>
+              </a:rPr>
+              <a:t> </a:t>
+            </a:r>
+            <a:r>
+              <a:rPr lang="zh-CN" altLang="en-US" dirty="0">
+                <a:latin typeface="Times New Roman Regular" panose="02020603050405020304" charset="0"/>
+                <a:cs typeface="Times New Roman Regular" panose="02020603050405020304" charset="0"/>
+              </a:rPr>
+              <a:t>federated learning meets split learning,” in Proceedings of the AAAI</a:t>
+            </a:r>
+            <a:r>
+              <a:rPr lang="en-US" altLang="zh-CN" dirty="0">
+                <a:latin typeface="Times New Roman Regular" panose="02020603050405020304" charset="0"/>
+                <a:cs typeface="Times New Roman Regular" panose="02020603050405020304" charset="0"/>
+              </a:rPr>
+              <a:t> </a:t>
+            </a:r>
+            <a:r>
+              <a:rPr lang="zh-CN" altLang="en-US" dirty="0">
+                <a:latin typeface="Times New Roman Regular" panose="02020603050405020304" charset="0"/>
+                <a:cs typeface="Times New Roman Regular" panose="02020603050405020304" charset="0"/>
+              </a:rPr>
               <a:t>Conference on Artificial Intelligence, vol. 36, pp. 8485–8493, 2022.</a:t>
             </a:r>
+            <a:endParaRPr lang="zh-CN" altLang="en-US" dirty="0">
+              <a:latin typeface="Times New Roman Regular" panose="02020603050405020304" charset="0"/>
+              <a:cs typeface="Times New Roman Regular" panose="02020603050405020304" charset="0"/>
+            </a:endParaRPr>
           </a:p>
         </p:txBody>
       </p:sp>
@@ -7189,13 +7974,13 @@
   <p:clrMapOvr>
     <a:masterClrMapping/>
   </p:clrMapOvr>
-  <mc:AlternateContent xmlns:mc="http://schemas.openxmlformats.org/markup-compatibility/2006" xmlns:p14="http://schemas.microsoft.com/office/powerpoint/2010/main">
-    <mc:Choice Requires="p14">
+  <mc:AlternateContent xmlns:mc="http://schemas.openxmlformats.org/markup-compatibility/2006">
+    <mc:Choice xmlns:p14="http://schemas.microsoft.com/office/powerpoint/2010/main" Requires="p14">
       <p:transition spd="med" p14:dur="700">
         <p:fade/>
       </p:transition>
     </mc:Choice>
-    <mc:Fallback xmlns="">
+    <mc:Fallback>
       <p:transition spd="med">
         <p:fade/>
       </p:transition>
@@ -7274,7 +8059,7 @@
           <p:nvPr/>
         </p:nvPicPr>
         <p:blipFill>
-          <a:blip r:embed="rId2"/>
+          <a:blip r:embed="rId1"/>
           <a:stretch>
             <a:fillRect/>
           </a:stretch>
@@ -7298,7 +8083,7 @@
           <p:nvPr/>
         </p:nvPicPr>
         <p:blipFill>
-          <a:blip r:embed="rId3"/>
+          <a:blip r:embed="rId2"/>
           <a:stretch>
             <a:fillRect/>
           </a:stretch>
@@ -7322,7 +8107,7 @@
           <p:nvPr/>
         </p:nvPicPr>
         <p:blipFill>
-          <a:blip r:embed="rId4"/>
+          <a:blip r:embed="rId3"/>
           <a:stretch>
             <a:fillRect/>
           </a:stretch>
@@ -7346,7 +8131,7 @@
           <p:nvPr/>
         </p:nvPicPr>
         <p:blipFill rotWithShape="1">
-          <a:blip r:embed="rId4"/>
+          <a:blip r:embed="rId3"/>
           <a:srcRect l="13807"/>
           <a:stretch>
             <a:fillRect/>
@@ -7371,7 +8156,7 @@
           <p:nvPr/>
         </p:nvPicPr>
         <p:blipFill rotWithShape="1">
-          <a:blip r:embed="rId4"/>
+          <a:blip r:embed="rId3"/>
           <a:srcRect l="11337" r="31759"/>
           <a:stretch>
             <a:fillRect/>
@@ -7396,7 +8181,7 @@
           <p:nvPr/>
         </p:nvPicPr>
         <p:blipFill>
-          <a:blip r:embed="rId5"/>
+          <a:blip r:embed="rId4"/>
           <a:stretch>
             <a:fillRect/>
           </a:stretch>
@@ -7533,6 +8318,10 @@
               </a:rPr>
               <a:t>ackground</a:t>
             </a:r>
+            <a:endParaRPr lang="zh-CN" altLang="en-US" sz="2800" dirty="0">
+              <a:latin typeface="微软雅黑" panose="020B0503020204020204" pitchFamily="34" charset="-122"/>
+              <a:ea typeface="微软雅黑" panose="020B0503020204020204" pitchFamily="34" charset="-122"/>
+            </a:endParaRPr>
           </a:p>
           <a:p>
             <a:pPr marL="571500" indent="-571500" algn="l">
@@ -7570,6 +8359,10 @@
               </a:rPr>
               <a:t>arget</a:t>
             </a:r>
+            <a:endParaRPr lang="zh-CN" altLang="en-US" sz="2800" dirty="0">
+              <a:latin typeface="微软雅黑" panose="020B0503020204020204" pitchFamily="34" charset="-122"/>
+              <a:ea typeface="微软雅黑" panose="020B0503020204020204" pitchFamily="34" charset="-122"/>
+            </a:endParaRPr>
           </a:p>
           <a:p>
             <a:pPr marL="571500" indent="-571500" algn="l">
@@ -7600,6 +8393,10 @@
               </a:rPr>
               <a:t>hallenge</a:t>
             </a:r>
+            <a:endParaRPr lang="zh-CN" altLang="en-US" sz="2800" dirty="0">
+              <a:latin typeface="微软雅黑" panose="020B0503020204020204" pitchFamily="34" charset="-122"/>
+              <a:ea typeface="微软雅黑" panose="020B0503020204020204" pitchFamily="34" charset="-122"/>
+            </a:endParaRPr>
           </a:p>
           <a:p>
             <a:pPr marL="571500" indent="-571500" algn="l">
@@ -7685,6 +8482,10 @@
               </a:rPr>
               <a:t>olution</a:t>
             </a:r>
+            <a:endParaRPr lang="zh-CN" altLang="en-US" sz="2800" dirty="0">
+              <a:latin typeface="微软雅黑" panose="020B0503020204020204" pitchFamily="34" charset="-122"/>
+              <a:ea typeface="微软雅黑" panose="020B0503020204020204" pitchFamily="34" charset="-122"/>
+            </a:endParaRPr>
           </a:p>
           <a:p>
             <a:pPr marL="571500" indent="-571500" algn="l">
@@ -7729,6 +8530,10 @@
               </a:rPr>
               <a:t>nalysis</a:t>
             </a:r>
+            <a:endParaRPr lang="zh-CN" altLang="en-US" sz="2800" dirty="0">
+              <a:latin typeface="微软雅黑" panose="020B0503020204020204" pitchFamily="34" charset="-122"/>
+              <a:ea typeface="微软雅黑" panose="020B0503020204020204" pitchFamily="34" charset="-122"/>
+            </a:endParaRPr>
           </a:p>
         </p:txBody>
       </p:sp>
@@ -7737,13 +8542,13 @@
   <p:clrMapOvr>
     <a:masterClrMapping/>
   </p:clrMapOvr>
-  <mc:AlternateContent xmlns:mc="http://schemas.openxmlformats.org/markup-compatibility/2006" xmlns:p14="http://schemas.microsoft.com/office/powerpoint/2010/main">
-    <mc:Choice Requires="p14">
+  <mc:AlternateContent xmlns:mc="http://schemas.openxmlformats.org/markup-compatibility/2006">
+    <mc:Choice xmlns:p14="http://schemas.microsoft.com/office/powerpoint/2010/main" Requires="p14">
       <p:transition spd="med" p14:dur="700">
         <p:fade/>
       </p:transition>
     </mc:Choice>
-    <mc:Fallback xmlns="">
+    <mc:Fallback>
       <p:transition spd="med">
         <p:fade/>
       </p:transition>
@@ -7845,7 +8650,7 @@
           <p:nvPr/>
         </p:nvPicPr>
         <p:blipFill>
-          <a:blip r:embed="rId2"/>
+          <a:blip r:embed="rId1"/>
           <a:stretch>
             <a:fillRect/>
           </a:stretch>
@@ -7869,7 +8674,7 @@
           <p:nvPr/>
         </p:nvPicPr>
         <p:blipFill>
-          <a:blip r:embed="rId3"/>
+          <a:blip r:embed="rId2"/>
           <a:stretch>
             <a:fillRect/>
           </a:stretch>
@@ -7893,7 +8698,7 @@
           <p:nvPr/>
         </p:nvPicPr>
         <p:blipFill>
-          <a:blip r:embed="rId4"/>
+          <a:blip r:embed="rId3"/>
           <a:stretch>
             <a:fillRect/>
           </a:stretch>
@@ -7917,7 +8722,7 @@
           <p:nvPr/>
         </p:nvPicPr>
         <p:blipFill rotWithShape="1">
-          <a:blip r:embed="rId4"/>
+          <a:blip r:embed="rId3"/>
           <a:srcRect l="13807"/>
           <a:stretch>
             <a:fillRect/>
@@ -7942,7 +8747,7 @@
           <p:nvPr/>
         </p:nvPicPr>
         <p:blipFill rotWithShape="1">
-          <a:blip r:embed="rId4"/>
+          <a:blip r:embed="rId3"/>
           <a:srcRect l="11337" r="31759"/>
           <a:stretch>
             <a:fillRect/>
@@ -7967,7 +8772,7 @@
           <p:nvPr/>
         </p:nvPicPr>
         <p:blipFill>
-          <a:blip r:embed="rId5"/>
+          <a:blip r:embed="rId4"/>
           <a:stretch>
             <a:fillRect/>
           </a:stretch>
@@ -7991,7 +8796,7 @@
           <p:nvPr/>
         </p:nvPicPr>
         <p:blipFill>
-          <a:blip r:embed="rId6"/>
+          <a:blip r:embed="rId5"/>
           <a:stretch>
             <a:fillRect/>
           </a:stretch>
@@ -8107,6 +8912,10 @@
               </a:rPr>
               <a:t>Edge computing is widely </a:t>
             </a:r>
+            <a:endParaRPr sz="2800" dirty="0">
+              <a:latin typeface="微软雅黑" panose="020B0503020204020204" pitchFamily="34" charset="-122"/>
+              <a:ea typeface="微软雅黑" panose="020B0503020204020204" pitchFamily="34" charset="-122"/>
+            </a:endParaRPr>
           </a:p>
           <a:p>
             <a:pPr indent="0" algn="l">
@@ -8189,6 +8998,10 @@
               </a:rPr>
               <a:t>Users who participate in edge </a:t>
             </a:r>
+            <a:endParaRPr lang="en-US" altLang="zh-CN" sz="2800" dirty="0">
+              <a:latin typeface="微软雅黑" panose="020B0503020204020204" pitchFamily="34" charset="-122"/>
+              <a:ea typeface="微软雅黑" panose="020B0503020204020204" pitchFamily="34" charset="-122"/>
+            </a:endParaRPr>
           </a:p>
           <a:p>
             <a:pPr indent="0" algn="l">
@@ -8204,6 +9017,10 @@
               </a:rPr>
               <a:t>     computing are not necessarily </a:t>
             </a:r>
+            <a:endParaRPr lang="en-US" altLang="zh-CN" sz="2800" dirty="0">
+              <a:latin typeface="微软雅黑" panose="020B0503020204020204" pitchFamily="34" charset="-122"/>
+              <a:ea typeface="微软雅黑" panose="020B0503020204020204" pitchFamily="34" charset="-122"/>
+            </a:endParaRPr>
           </a:p>
           <a:p>
             <a:pPr indent="0" algn="l">
@@ -8219,6 +9036,10 @@
               </a:rPr>
               <a:t>     reliable</a:t>
             </a:r>
+            <a:endParaRPr lang="en-US" altLang="zh-CN" sz="2800" dirty="0">
+              <a:latin typeface="微软雅黑" panose="020B0503020204020204" pitchFamily="34" charset="-122"/>
+              <a:ea typeface="微软雅黑" panose="020B0503020204020204" pitchFamily="34" charset="-122"/>
+            </a:endParaRPr>
           </a:p>
         </p:txBody>
       </p:sp>
@@ -8248,6 +9069,7 @@
               <a:rPr lang="zh-CN" altLang="en-US"/>
               <a:t>https://zh.vietnamplus.vn/%E8%B6%8A%E5%8D%97%E5%BA%94%E7%A0%94%E7%A9%B6%E5%BC%80%E5%8F%916g%E7%BD%91%E7%BB%9C%E6%8A%80%E6%9C%AF/135884.vnp</a:t>
             </a:r>
+            <a:endParaRPr lang="zh-CN" altLang="en-US"/>
           </a:p>
         </p:txBody>
       </p:sp>
@@ -8256,13 +9078,13 @@
   <p:clrMapOvr>
     <a:masterClrMapping/>
   </p:clrMapOvr>
-  <mc:AlternateContent xmlns:mc="http://schemas.openxmlformats.org/markup-compatibility/2006" xmlns:p14="http://schemas.microsoft.com/office/powerpoint/2010/main">
-    <mc:Choice Requires="p14">
+  <mc:AlternateContent xmlns:mc="http://schemas.openxmlformats.org/markup-compatibility/2006">
+    <mc:Choice xmlns:p14="http://schemas.microsoft.com/office/powerpoint/2010/main" Requires="p14">
       <p:transition spd="med" p14:dur="700">
         <p:fade/>
       </p:transition>
     </mc:Choice>
-    <mc:Fallback xmlns="">
+    <mc:Fallback>
       <p:transition spd="med">
         <p:fade/>
       </p:transition>
@@ -8364,7 +9186,7 @@
           <p:nvPr/>
         </p:nvPicPr>
         <p:blipFill>
-          <a:blip r:embed="rId2"/>
+          <a:blip r:embed="rId1"/>
           <a:stretch>
             <a:fillRect/>
           </a:stretch>
@@ -8388,7 +9210,7 @@
           <p:nvPr/>
         </p:nvPicPr>
         <p:blipFill>
-          <a:blip r:embed="rId3"/>
+          <a:blip r:embed="rId2"/>
           <a:stretch>
             <a:fillRect/>
           </a:stretch>
@@ -8412,7 +9234,7 @@
           <p:nvPr/>
         </p:nvPicPr>
         <p:blipFill>
-          <a:blip r:embed="rId4"/>
+          <a:blip r:embed="rId3"/>
           <a:stretch>
             <a:fillRect/>
           </a:stretch>
@@ -8436,7 +9258,7 @@
           <p:nvPr/>
         </p:nvPicPr>
         <p:blipFill rotWithShape="1">
-          <a:blip r:embed="rId4"/>
+          <a:blip r:embed="rId3"/>
           <a:srcRect l="13807"/>
           <a:stretch>
             <a:fillRect/>
@@ -8461,7 +9283,7 @@
           <p:nvPr/>
         </p:nvPicPr>
         <p:blipFill rotWithShape="1">
-          <a:blip r:embed="rId4"/>
+          <a:blip r:embed="rId3"/>
           <a:srcRect l="11337" r="31759"/>
           <a:stretch>
             <a:fillRect/>
@@ -8486,7 +9308,7 @@
           <p:nvPr/>
         </p:nvPicPr>
         <p:blipFill>
-          <a:blip r:embed="rId5"/>
+          <a:blip r:embed="rId4"/>
           <a:stretch>
             <a:fillRect/>
           </a:stretch>
@@ -8596,40 +9418,30 @@
               <a:buChar char="•"/>
             </a:pPr>
             <a:r>
+              <a:rPr lang="en-US" altLang="zh-CN" sz="2800" dirty="0">
+                <a:latin typeface="微软雅黑" panose="020B0503020204020204" pitchFamily="34" charset="-122"/>
+                <a:ea typeface="微软雅黑" panose="020B0503020204020204" pitchFamily="34" charset="-122"/>
+              </a:rPr>
+              <a:t>Noise</a:t>
+            </a:r>
+            <a:r>
               <a:rPr lang="zh-CN" altLang="en-US" sz="2800" dirty="0">
                 <a:latin typeface="微软雅黑" panose="020B0503020204020204" pitchFamily="34" charset="-122"/>
                 <a:ea typeface="微软雅黑" panose="020B0503020204020204" pitchFamily="34" charset="-122"/>
               </a:rPr>
-              <a:t>Attacker</a:t>
+              <a:t>: </a:t>
             </a:r>
             <a:r>
               <a:rPr lang="en-US" altLang="zh-CN" sz="2800" dirty="0">
                 <a:latin typeface="微软雅黑" panose="020B0503020204020204" pitchFamily="34" charset="-122"/>
                 <a:ea typeface="微软雅黑" panose="020B0503020204020204" pitchFamily="34" charset="-122"/>
               </a:rPr>
-              <a:t>s</a:t>
-            </a:r>
-            <a:r>
-              <a:rPr lang="zh-CN" altLang="en-US" sz="2800" dirty="0">
-                <a:latin typeface="微软雅黑" panose="020B0503020204020204" pitchFamily="34" charset="-122"/>
-                <a:ea typeface="微软雅黑" panose="020B0503020204020204" pitchFamily="34" charset="-122"/>
-              </a:rPr>
-              <a:t>: </a:t>
-            </a:r>
-            <a:r>
-              <a:rPr lang="en-US" altLang="zh-CN" sz="2800" dirty="0">
-                <a:latin typeface="微软雅黑" panose="020B0503020204020204" pitchFamily="34" charset="-122"/>
-                <a:ea typeface="微软雅黑" panose="020B0503020204020204" pitchFamily="34" charset="-122"/>
-              </a:rPr>
-              <a:t>U</a:t>
-            </a:r>
-            <a:r>
-              <a:rPr lang="zh-CN" altLang="en-US" sz="2800" dirty="0">
-                <a:latin typeface="微软雅黑" panose="020B0503020204020204" pitchFamily="34" charset="-122"/>
-                <a:ea typeface="微软雅黑" panose="020B0503020204020204" pitchFamily="34" charset="-122"/>
-              </a:rPr>
-              <a:t>ser who intentionally compromises network security</a:t>
-            </a:r>
+              <a:t>The data is maliciously modified and cannot reflect the original characteristics</a:t>
+            </a:r>
+            <a:endParaRPr lang="zh-CN" altLang="en-US" sz="2800" dirty="0">
+              <a:latin typeface="微软雅黑" panose="020B0503020204020204" pitchFamily="34" charset="-122"/>
+              <a:ea typeface="微软雅黑" panose="020B0503020204020204" pitchFamily="34" charset="-122"/>
+            </a:endParaRPr>
           </a:p>
           <a:p>
             <a:pPr marL="571500" indent="-571500" algn="l">
@@ -8640,12 +9452,30 @@
               <a:buChar char="•"/>
             </a:pPr>
             <a:r>
+              <a:rPr lang="en-US" altLang="zh-CN" sz="2800" dirty="0">
+                <a:latin typeface="微软雅黑" panose="020B0503020204020204" pitchFamily="34" charset="-122"/>
+                <a:ea typeface="微软雅黑" panose="020B0503020204020204" pitchFamily="34" charset="-122"/>
+              </a:rPr>
+              <a:t>Non-IID</a:t>
+            </a:r>
+            <a:r>
               <a:rPr lang="zh-CN" altLang="en-US" sz="2800" dirty="0">
                 <a:latin typeface="微软雅黑" panose="020B0503020204020204" pitchFamily="34" charset="-122"/>
                 <a:ea typeface="微软雅黑" panose="020B0503020204020204" pitchFamily="34" charset="-122"/>
               </a:rPr>
-              <a:t>Victims: Users whose data has been contaminated</a:t>
-            </a:r>
+              <a:t>: </a:t>
+            </a:r>
+            <a:r>
+              <a:rPr lang="en-US" altLang="zh-CN" sz="2800" dirty="0">
+                <a:latin typeface="微软雅黑" panose="020B0503020204020204" pitchFamily="34" charset="-122"/>
+                <a:ea typeface="微软雅黑" panose="020B0503020204020204" pitchFamily="34" charset="-122"/>
+              </a:rPr>
+              <a:t>Data labels are not evenly distributed</a:t>
+            </a:r>
+            <a:endParaRPr lang="zh-CN" altLang="en-US" sz="2800" dirty="0">
+              <a:latin typeface="微软雅黑" panose="020B0503020204020204" pitchFamily="34" charset="-122"/>
+              <a:ea typeface="微软雅黑" panose="020B0503020204020204" pitchFamily="34" charset="-122"/>
+            </a:endParaRPr>
           </a:p>
         </p:txBody>
       </p:sp>
@@ -8657,8 +9487,8 @@
         </p:nvSpPr>
         <p:spPr>
           <a:xfrm>
-            <a:off x="2360295" y="1405890"/>
-            <a:ext cx="6819900" cy="1014730"/>
+            <a:off x="2830980" y="1405890"/>
+            <a:ext cx="5878533" cy="1015663"/>
           </a:xfrm>
           <a:prstGeom prst="rect">
             <a:avLst/>
@@ -8676,7 +9506,7 @@
           <a:p>
             <a:pPr algn="ctr"/>
             <a:r>
-              <a:rPr lang="en-US" altLang="zh-CN" sz="6000">
+              <a:rPr lang="en-US" altLang="zh-CN" sz="6000" dirty="0">
                 <a:solidFill>
                   <a:schemeClr val="tx1"/>
                 </a:solidFill>
@@ -8689,8 +9519,50 @@
                   </a:outerShdw>
                 </a:effectLst>
               </a:rPr>
-              <a:t>Attackers vs Victims</a:t>
-            </a:r>
+              <a:t>Noise vs </a:t>
+            </a:r>
+            <a:r>
+              <a:rPr lang="en-US" altLang="zh-CN" sz="6000" dirty="0">
+                <a:effectLst>
+                  <a:outerShdw blurRad="38100" dist="19050" dir="2700000" algn="tl" rotWithShape="0">
+                    <a:schemeClr val="dk1">
+                      <a:alpha val="40000"/>
+                      <a:alpha val="40000"/>
+                    </a:schemeClr>
+                  </a:outerShdw>
+                </a:effectLst>
+              </a:rPr>
+              <a:t>N</a:t>
+            </a:r>
+            <a:r>
+              <a:rPr lang="en-US" altLang="zh-CN" sz="6000" dirty="0">
+                <a:solidFill>
+                  <a:schemeClr val="tx1"/>
+                </a:solidFill>
+                <a:effectLst>
+                  <a:outerShdw blurRad="38100" dist="19050" dir="2700000" algn="tl" rotWithShape="0">
+                    <a:schemeClr val="dk1">
+                      <a:alpha val="40000"/>
+                      <a:alpha val="40000"/>
+                    </a:schemeClr>
+                  </a:outerShdw>
+                </a:effectLst>
+              </a:rPr>
+              <a:t>on-IID</a:t>
+            </a:r>
+            <a:endParaRPr lang="en-US" altLang="zh-CN" sz="6000" dirty="0">
+              <a:solidFill>
+                <a:schemeClr val="tx1"/>
+              </a:solidFill>
+              <a:effectLst>
+                <a:outerShdw blurRad="38100" dist="19050" dir="2700000" algn="tl" rotWithShape="0">
+                  <a:schemeClr val="dk1">
+                    <a:alpha val="40000"/>
+                    <a:alpha val="40000"/>
+                  </a:schemeClr>
+                </a:outerShdw>
+              </a:effectLst>
+            </a:endParaRPr>
           </a:p>
         </p:txBody>
       </p:sp>
@@ -8699,13 +9571,13 @@
   <p:clrMapOvr>
     <a:masterClrMapping/>
   </p:clrMapOvr>
-  <mc:AlternateContent xmlns:mc="http://schemas.openxmlformats.org/markup-compatibility/2006" xmlns:p14="http://schemas.microsoft.com/office/powerpoint/2010/main">
-    <mc:Choice Requires="p14">
+  <mc:AlternateContent xmlns:mc="http://schemas.openxmlformats.org/markup-compatibility/2006">
+    <mc:Choice xmlns:p14="http://schemas.microsoft.com/office/powerpoint/2010/main" Requires="p14">
       <p:transition spd="med" p14:dur="700">
         <p:fade/>
       </p:transition>
     </mc:Choice>
-    <mc:Fallback xmlns="">
+    <mc:Fallback>
       <p:transition spd="med">
         <p:fade/>
       </p:transition>
@@ -8807,7 +9679,7 @@
           <p:nvPr/>
         </p:nvPicPr>
         <p:blipFill>
-          <a:blip r:embed="rId2"/>
+          <a:blip r:embed="rId1"/>
           <a:stretch>
             <a:fillRect/>
           </a:stretch>
@@ -8831,7 +9703,7 @@
           <p:nvPr/>
         </p:nvPicPr>
         <p:blipFill>
-          <a:blip r:embed="rId3"/>
+          <a:blip r:embed="rId2"/>
           <a:stretch>
             <a:fillRect/>
           </a:stretch>
@@ -8855,7 +9727,7 @@
           <p:nvPr/>
         </p:nvPicPr>
         <p:blipFill>
-          <a:blip r:embed="rId4"/>
+          <a:blip r:embed="rId3"/>
           <a:stretch>
             <a:fillRect/>
           </a:stretch>
@@ -8879,7 +9751,7 @@
           <p:nvPr/>
         </p:nvPicPr>
         <p:blipFill rotWithShape="1">
-          <a:blip r:embed="rId4"/>
+          <a:blip r:embed="rId3"/>
           <a:srcRect l="13807"/>
           <a:stretch>
             <a:fillRect/>
@@ -8904,7 +9776,7 @@
           <p:nvPr/>
         </p:nvPicPr>
         <p:blipFill rotWithShape="1">
-          <a:blip r:embed="rId4"/>
+          <a:blip r:embed="rId3"/>
           <a:srcRect l="11337" r="31759"/>
           <a:stretch>
             <a:fillRect/>
@@ -8929,7 +9801,7 @@
           <p:nvPr/>
         </p:nvPicPr>
         <p:blipFill>
-          <a:blip r:embed="rId5"/>
+          <a:blip r:embed="rId4"/>
           <a:stretch>
             <a:fillRect/>
           </a:stretch>
@@ -9039,11 +9911,18 @@
               <a:buChar char="•"/>
             </a:pPr>
             <a:r>
+              <a:rPr lang="zh-CN" altLang="en-US" sz="2800" dirty="0">
+                <a:latin typeface="微软雅黑" panose="020B0503020204020204" pitchFamily="34" charset="-122"/>
+                <a:ea typeface="微软雅黑" panose="020B0503020204020204" pitchFamily="34" charset="-122"/>
+              </a:rPr>
+              <a:t>Attacker</a:t>
+            </a:r>
+            <a:r>
               <a:rPr lang="en-US" altLang="zh-CN" sz="2800" dirty="0">
                 <a:latin typeface="微软雅黑" panose="020B0503020204020204" pitchFamily="34" charset="-122"/>
                 <a:ea typeface="微软雅黑" panose="020B0503020204020204" pitchFamily="34" charset="-122"/>
               </a:rPr>
-              <a:t>Noise</a:t>
+              <a:t>s</a:t>
             </a:r>
             <a:r>
               <a:rPr lang="zh-CN" altLang="en-US" sz="2800" dirty="0">
@@ -9057,7 +9936,14 @@
                 <a:latin typeface="微软雅黑" panose="020B0503020204020204" pitchFamily="34" charset="-122"/>
                 <a:ea typeface="微软雅黑" panose="020B0503020204020204" pitchFamily="34" charset="-122"/>
               </a:rPr>
-              <a:t>The data is maliciously modified and cannot reflect the original characteristics</a:t>
+              <a:t>U</a:t>
+            </a:r>
+            <a:r>
+              <a:rPr lang="zh-CN" altLang="en-US" sz="2800" dirty="0">
+                <a:latin typeface="微软雅黑" panose="020B0503020204020204" pitchFamily="34" charset="-122"/>
+                <a:ea typeface="微软雅黑" panose="020B0503020204020204" pitchFamily="34" charset="-122"/>
+              </a:rPr>
+              <a:t>ser who intentionally compromises network security</a:t>
             </a:r>
             <a:endParaRPr lang="zh-CN" altLang="en-US" sz="2800" dirty="0">
               <a:latin typeface="微软雅黑" panose="020B0503020204020204" pitchFamily="34" charset="-122"/>
@@ -9073,25 +9959,11 @@
               <a:buChar char="•"/>
             </a:pPr>
             <a:r>
-              <a:rPr lang="en-US" altLang="zh-CN" sz="2800" dirty="0">
-                <a:latin typeface="微软雅黑" panose="020B0503020204020204" pitchFamily="34" charset="-122"/>
-                <a:ea typeface="微软雅黑" panose="020B0503020204020204" pitchFamily="34" charset="-122"/>
-              </a:rPr>
-              <a:t>Non-IID</a:t>
-            </a:r>
-            <a:r>
               <a:rPr lang="zh-CN" altLang="en-US" sz="2800" dirty="0">
                 <a:latin typeface="微软雅黑" panose="020B0503020204020204" pitchFamily="34" charset="-122"/>
                 <a:ea typeface="微软雅黑" panose="020B0503020204020204" pitchFamily="34" charset="-122"/>
               </a:rPr>
-              <a:t>: </a:t>
-            </a:r>
-            <a:r>
-              <a:rPr lang="en-US" altLang="zh-CN" sz="2800" dirty="0">
-                <a:latin typeface="微软雅黑" panose="020B0503020204020204" pitchFamily="34" charset="-122"/>
-                <a:ea typeface="微软雅黑" panose="020B0503020204020204" pitchFamily="34" charset="-122"/>
-              </a:rPr>
-              <a:t>Data labels are not evenly distributed</a:t>
+              <a:t>Victims: Users whose data has been contaminated</a:t>
             </a:r>
             <a:endParaRPr lang="zh-CN" altLang="en-US" sz="2800" dirty="0">
               <a:latin typeface="微软雅黑" panose="020B0503020204020204" pitchFamily="34" charset="-122"/>
@@ -9108,8 +9980,8 @@
         </p:nvSpPr>
         <p:spPr>
           <a:xfrm>
-            <a:off x="2830980" y="1405890"/>
-            <a:ext cx="5878533" cy="1015663"/>
+            <a:off x="2360295" y="1405890"/>
+            <a:ext cx="6819900" cy="1014730"/>
           </a:xfrm>
           <a:prstGeom prst="rect">
             <a:avLst/>
@@ -9127,7 +9999,7 @@
           <a:p>
             <a:pPr algn="ctr"/>
             <a:r>
-              <a:rPr lang="en-US" altLang="zh-CN" sz="6000" dirty="0">
+              <a:rPr lang="en-US" altLang="zh-CN" sz="6000">
                 <a:solidFill>
                   <a:schemeClr val="tx1"/>
                 </a:solidFill>
@@ -9140,37 +10012,21 @@
                   </a:outerShdw>
                 </a:effectLst>
               </a:rPr>
-              <a:t>Noise vs </a:t>
-            </a:r>
-            <a:r>
-              <a:rPr lang="en-US" altLang="zh-CN" sz="6000" dirty="0">
-                <a:effectLst>
-                  <a:outerShdw blurRad="38100" dist="19050" dir="2700000" algn="tl" rotWithShape="0">
-                    <a:schemeClr val="dk1">
-                      <a:alpha val="40000"/>
-                      <a:alpha val="40000"/>
-                    </a:schemeClr>
-                  </a:outerShdw>
-                </a:effectLst>
-              </a:rPr>
-              <a:t>N</a:t>
-            </a:r>
-            <a:r>
-              <a:rPr lang="en-US" altLang="zh-CN" sz="6000" dirty="0">
-                <a:solidFill>
-                  <a:schemeClr val="tx1"/>
-                </a:solidFill>
-                <a:effectLst>
-                  <a:outerShdw blurRad="38100" dist="19050" dir="2700000" algn="tl" rotWithShape="0">
-                    <a:schemeClr val="dk1">
-                      <a:alpha val="40000"/>
-                      <a:alpha val="40000"/>
-                    </a:schemeClr>
-                  </a:outerShdw>
-                </a:effectLst>
-              </a:rPr>
-              <a:t>on-IID</a:t>
-            </a:r>
+              <a:t>Attackers vs Victims</a:t>
+            </a:r>
+            <a:endParaRPr lang="en-US" altLang="zh-CN" sz="6000">
+              <a:solidFill>
+                <a:schemeClr val="tx1"/>
+              </a:solidFill>
+              <a:effectLst>
+                <a:outerShdw blurRad="38100" dist="19050" dir="2700000" algn="tl" rotWithShape="0">
+                  <a:schemeClr val="dk1">
+                    <a:alpha val="40000"/>
+                    <a:alpha val="40000"/>
+                  </a:schemeClr>
+                </a:outerShdw>
+              </a:effectLst>
+            </a:endParaRPr>
           </a:p>
         </p:txBody>
       </p:sp>
@@ -9179,13 +10035,13 @@
   <p:clrMapOvr>
     <a:masterClrMapping/>
   </p:clrMapOvr>
-  <mc:AlternateContent xmlns:mc="http://schemas.openxmlformats.org/markup-compatibility/2006" xmlns:p14="http://schemas.microsoft.com/office/powerpoint/2010/main">
-    <mc:Choice Requires="p14">
+  <mc:AlternateContent xmlns:mc="http://schemas.openxmlformats.org/markup-compatibility/2006">
+    <mc:Choice xmlns:p14="http://schemas.microsoft.com/office/powerpoint/2010/main" Requires="p14">
       <p:transition spd="med" p14:dur="700">
         <p:fade/>
       </p:transition>
     </mc:Choice>
-    <mc:Fallback xmlns="">
+    <mc:Fallback>
       <p:transition spd="med">
         <p:fade/>
       </p:transition>
@@ -9287,7 +10143,7 @@
           <p:nvPr/>
         </p:nvPicPr>
         <p:blipFill>
-          <a:blip r:embed="rId2"/>
+          <a:blip r:embed="rId1"/>
           <a:stretch>
             <a:fillRect/>
           </a:stretch>
@@ -9311,7 +10167,7 @@
           <p:nvPr/>
         </p:nvPicPr>
         <p:blipFill>
-          <a:blip r:embed="rId3"/>
+          <a:blip r:embed="rId2"/>
           <a:stretch>
             <a:fillRect/>
           </a:stretch>
@@ -9335,7 +10191,7 @@
           <p:nvPr/>
         </p:nvPicPr>
         <p:blipFill>
-          <a:blip r:embed="rId4"/>
+          <a:blip r:embed="rId3"/>
           <a:stretch>
             <a:fillRect/>
           </a:stretch>
@@ -9359,7 +10215,7 @@
           <p:nvPr/>
         </p:nvPicPr>
         <p:blipFill rotWithShape="1">
-          <a:blip r:embed="rId4"/>
+          <a:blip r:embed="rId3"/>
           <a:srcRect l="13807"/>
           <a:stretch>
             <a:fillRect/>
@@ -9384,7 +10240,7 @@
           <p:nvPr/>
         </p:nvPicPr>
         <p:blipFill rotWithShape="1">
-          <a:blip r:embed="rId4"/>
+          <a:blip r:embed="rId3"/>
           <a:srcRect l="11337" r="31759"/>
           <a:stretch>
             <a:fillRect/>
@@ -9409,7 +10265,7 @@
           <p:nvPr/>
         </p:nvPicPr>
         <p:blipFill>
-          <a:blip r:embed="rId5"/>
+          <a:blip r:embed="rId4"/>
           <a:stretch>
             <a:fillRect/>
           </a:stretch>
@@ -9525,6 +10381,10 @@
               </a:rPr>
               <a:t>The network system can accurately identify attackers and victims</a:t>
             </a:r>
+            <a:endParaRPr sz="2800" dirty="0">
+              <a:latin typeface="微软雅黑" panose="020B0503020204020204" pitchFamily="34" charset="-122"/>
+              <a:ea typeface="微软雅黑" panose="020B0503020204020204" pitchFamily="34" charset="-122"/>
+            </a:endParaRPr>
           </a:p>
           <a:p>
             <a:pPr marL="571500" indent="-571500" algn="l">
@@ -9555,6 +10415,10 @@
               </a:rPr>
               <a:t> data</a:t>
             </a:r>
+            <a:endParaRPr sz="2800" dirty="0">
+              <a:latin typeface="微软雅黑" panose="020B0503020204020204" pitchFamily="34" charset="-122"/>
+              <a:ea typeface="微软雅黑" panose="020B0503020204020204" pitchFamily="34" charset="-122"/>
+            </a:endParaRPr>
           </a:p>
         </p:txBody>
       </p:sp>
@@ -9563,13 +10427,13 @@
   <p:clrMapOvr>
     <a:masterClrMapping/>
   </p:clrMapOvr>
-  <mc:AlternateContent xmlns:mc="http://schemas.openxmlformats.org/markup-compatibility/2006" xmlns:p14="http://schemas.microsoft.com/office/powerpoint/2010/main">
-    <mc:Choice Requires="p14">
+  <mc:AlternateContent xmlns:mc="http://schemas.openxmlformats.org/markup-compatibility/2006">
+    <mc:Choice xmlns:p14="http://schemas.microsoft.com/office/powerpoint/2010/main" Requires="p14">
       <p:transition spd="med" p14:dur="700">
         <p:fade/>
       </p:transition>
     </mc:Choice>
-    <mc:Fallback xmlns="">
+    <mc:Fallback>
       <p:transition spd="med">
         <p:fade/>
       </p:transition>
@@ -9663,7 +10527,7 @@
           <p:nvPr/>
         </p:nvPicPr>
         <p:blipFill>
-          <a:blip r:embed="rId2"/>
+          <a:blip r:embed="rId1"/>
           <a:stretch>
             <a:fillRect/>
           </a:stretch>
@@ -9687,7 +10551,7 @@
           <p:nvPr/>
         </p:nvPicPr>
         <p:blipFill>
-          <a:blip r:embed="rId3"/>
+          <a:blip r:embed="rId2"/>
           <a:stretch>
             <a:fillRect/>
           </a:stretch>
@@ -9711,7 +10575,7 @@
           <p:nvPr/>
         </p:nvPicPr>
         <p:blipFill>
-          <a:blip r:embed="rId4"/>
+          <a:blip r:embed="rId3"/>
           <a:stretch>
             <a:fillRect/>
           </a:stretch>
@@ -9735,7 +10599,7 @@
           <p:nvPr/>
         </p:nvPicPr>
         <p:blipFill rotWithShape="1">
-          <a:blip r:embed="rId4"/>
+          <a:blip r:embed="rId3"/>
           <a:srcRect l="13807"/>
           <a:stretch>
             <a:fillRect/>
@@ -9760,7 +10624,7 @@
           <p:nvPr/>
         </p:nvPicPr>
         <p:blipFill rotWithShape="1">
-          <a:blip r:embed="rId4"/>
+          <a:blip r:embed="rId3"/>
           <a:srcRect l="11337" r="31759"/>
           <a:stretch>
             <a:fillRect/>
@@ -9785,7 +10649,7 @@
           <p:nvPr/>
         </p:nvPicPr>
         <p:blipFill>
-          <a:blip r:embed="rId5"/>
+          <a:blip r:embed="rId4"/>
           <a:stretch>
             <a:fillRect/>
           </a:stretch>
@@ -9809,7 +10673,7 @@
           <p:nvPr/>
         </p:nvPicPr>
         <p:blipFill>
-          <a:blip r:embed="rId6"/>
+          <a:blip r:embed="rId5"/>
           <a:stretch>
             <a:fillRect/>
           </a:stretch>
@@ -9925,6 +10789,10 @@
               </a:rPr>
               <a:t>The attacker will not cooperate with </a:t>
             </a:r>
+            <a:endParaRPr lang="zh-CN" sz="2800" dirty="0">
+              <a:latin typeface="微软雅黑" panose="020B0503020204020204" pitchFamily="34" charset="-122"/>
+              <a:ea typeface="微软雅黑" panose="020B0503020204020204" pitchFamily="34" charset="-122"/>
+            </a:endParaRPr>
           </a:p>
           <a:p>
             <a:pPr indent="0" algn="l">
@@ -9954,6 +10822,10 @@
               </a:rPr>
               <a:t> unreliable </a:t>
             </a:r>
+            <a:endParaRPr lang="en-US" altLang="zh-CN" sz="2800" dirty="0">
+              <a:latin typeface="微软雅黑" panose="020B0503020204020204" pitchFamily="34" charset="-122"/>
+              <a:ea typeface="微软雅黑" panose="020B0503020204020204" pitchFamily="34" charset="-122"/>
+            </a:endParaRPr>
           </a:p>
           <a:p>
             <a:pPr indent="0" algn="l">
@@ -9969,6 +10841,10 @@
               </a:rPr>
               <a:t>     users</a:t>
             </a:r>
+            <a:endParaRPr lang="en-US" altLang="zh-CN" sz="2800" dirty="0">
+              <a:latin typeface="微软雅黑" panose="020B0503020204020204" pitchFamily="34" charset="-122"/>
+              <a:ea typeface="微软雅黑" panose="020B0503020204020204" pitchFamily="34" charset="-122"/>
+            </a:endParaRPr>
           </a:p>
         </p:txBody>
       </p:sp>
@@ -9998,6 +10874,7 @@
               <a:rPr lang="zh-CN" altLang="en-US"/>
               <a:t>https://www.sgss8.net/tpdq/13309818/</a:t>
             </a:r>
+            <a:endParaRPr lang="zh-CN" altLang="en-US"/>
           </a:p>
         </p:txBody>
       </p:sp>
@@ -10006,13 +10883,13 @@
   <p:clrMapOvr>
     <a:masterClrMapping/>
   </p:clrMapOvr>
-  <mc:AlternateContent xmlns:mc="http://schemas.openxmlformats.org/markup-compatibility/2006" xmlns:p14="http://schemas.microsoft.com/office/powerpoint/2010/main">
-    <mc:Choice Requires="p14">
+  <mc:AlternateContent xmlns:mc="http://schemas.openxmlformats.org/markup-compatibility/2006">
+    <mc:Choice xmlns:p14="http://schemas.microsoft.com/office/powerpoint/2010/main" Requires="p14">
       <p:transition spd="med" p14:dur="700">
         <p:fade/>
       </p:transition>
     </mc:Choice>
-    <mc:Fallback xmlns="">
+    <mc:Fallback>
       <p:transition spd="med">
         <p:fade/>
       </p:transition>
@@ -10106,7 +10983,7 @@
           <p:nvPr/>
         </p:nvPicPr>
         <p:blipFill>
-          <a:blip r:embed="rId2"/>
+          <a:blip r:embed="rId1"/>
           <a:stretch>
             <a:fillRect/>
           </a:stretch>
@@ -10130,7 +11007,7 @@
           <p:nvPr/>
         </p:nvPicPr>
         <p:blipFill>
-          <a:blip r:embed="rId3"/>
+          <a:blip r:embed="rId2"/>
           <a:stretch>
             <a:fillRect/>
           </a:stretch>
@@ -10154,7 +11031,7 @@
           <p:nvPr/>
         </p:nvPicPr>
         <p:blipFill>
-          <a:blip r:embed="rId4"/>
+          <a:blip r:embed="rId3"/>
           <a:stretch>
             <a:fillRect/>
           </a:stretch>
@@ -10178,7 +11055,7 @@
           <p:nvPr/>
         </p:nvPicPr>
         <p:blipFill rotWithShape="1">
-          <a:blip r:embed="rId4"/>
+          <a:blip r:embed="rId3"/>
           <a:srcRect l="13807"/>
           <a:stretch>
             <a:fillRect/>
@@ -10203,7 +11080,7 @@
           <p:nvPr/>
         </p:nvPicPr>
         <p:blipFill rotWithShape="1">
-          <a:blip r:embed="rId4"/>
+          <a:blip r:embed="rId3"/>
           <a:srcRect l="11337" r="31759"/>
           <a:stretch>
             <a:fillRect/>
@@ -10228,7 +11105,7 @@
           <p:nvPr/>
         </p:nvPicPr>
         <p:blipFill>
-          <a:blip r:embed="rId5"/>
+          <a:blip r:embed="rId4"/>
           <a:stretch>
             <a:fillRect/>
           </a:stretch>
@@ -10294,7 +11171,23 @@
                 <a:latin typeface="微软雅黑" panose="020B0503020204020204" pitchFamily="34" charset="-122"/>
                 <a:ea typeface="微软雅黑" panose="020B0503020204020204" pitchFamily="34" charset="-122"/>
               </a:rPr>
-              <a:t>In the process of detecting untrustworthy users, the network system must not violate the privacy of users</a:t>
+              <a:t>In the process of detecting un</a:t>
+            </a:r>
+            <a:r>
+              <a:rPr sz="2800" dirty="0">
+                <a:latin typeface="微软雅黑" charset="0"/>
+                <a:ea typeface="微软雅黑" charset="0"/>
+                <a:cs typeface="Times New Roman Regular" panose="02020603050405020304" charset="0"/>
+                <a:sym typeface="+mn-ea"/>
+              </a:rPr>
+              <a:t>reliable</a:t>
+            </a:r>
+            <a:r>
+              <a:rPr lang="zh-CN" altLang="en-US" sz="2800" dirty="0">
+                <a:latin typeface="微软雅黑" panose="020B0503020204020204" pitchFamily="34" charset="-122"/>
+                <a:ea typeface="微软雅黑" panose="020B0503020204020204" pitchFamily="34" charset="-122"/>
+              </a:rPr>
+              <a:t> users, the network system must not violate the privacy of users</a:t>
             </a:r>
             <a:endParaRPr lang="en-US" altLang="zh-CN" sz="2800" dirty="0">
               <a:latin typeface="微软雅黑" panose="020B0503020204020204" pitchFamily="34" charset="-122"/>
@@ -10328,13 +11221,13 @@
   <p:clrMapOvr>
     <a:masterClrMapping/>
   </p:clrMapOvr>
-  <mc:AlternateContent xmlns:mc="http://schemas.openxmlformats.org/markup-compatibility/2006" xmlns:p14="http://schemas.microsoft.com/office/powerpoint/2010/main">
-    <mc:Choice Requires="p14">
+  <mc:AlternateContent xmlns:mc="http://schemas.openxmlformats.org/markup-compatibility/2006">
+    <mc:Choice xmlns:p14="http://schemas.microsoft.com/office/powerpoint/2010/main" Requires="p14">
       <p:transition spd="med" p14:dur="700">
         <p:fade/>
       </p:transition>
     </mc:Choice>
-    <mc:Fallback xmlns="">
+    <mc:Fallback>
       <p:transition spd="med">
         <p:fade/>
       </p:transition>
@@ -10594,8 +11487,6 @@
       </a:bgFillStyleLst>
     </a:fmtScheme>
   </a:themeElements>
-  <a:objectDefaults/>
-  <a:extraClrSchemeLst/>
   <a:extLst>
     <a:ext uri="{05A4C25C-085E-4340-85A3-A5531E510DB2}">
       <thm15:themeFamily xmlns:thm15="http://schemas.microsoft.com/office/thememl/2012/main" name="Office Theme" id="{62F939B6-93AF-4DB8-9C6B-D6C7DFDC589F}" vid="{4A3C46E8-61CC-4603-A589-7422A47A8E4A}"/>
@@ -10855,8 +11746,6 @@
       </a:bgFillStyleLst>
     </a:fmtScheme>
   </a:themeElements>
-  <a:objectDefaults/>
-  <a:extraClrSchemeLst/>
   <a:extLst>
     <a:ext uri="{05A4C25C-085E-4340-85A3-A5531E510DB2}">
       <thm15:themeFamily xmlns:thm15="http://schemas.microsoft.com/office/thememl/2012/main" name="Office Theme" id="{62F939B6-93AF-4DB8-9C6B-D6C7DFDC589F}" vid="{4A3C46E8-61CC-4603-A589-7422A47A8E4A}"/>
